--- a/presentation/Progress Report 2.pptx
+++ b/presentation/Progress Report 2.pptx
@@ -10317,6 +10317,285 @@
 </file>
 
 <file path=ppt/theme/theme1.xml><?xml version="1.0" encoding="utf-8"?>
+<a:theme xmlns:a="http://schemas.openxmlformats.org/drawingml/2006/main" xmlns:r="http://schemas.openxmlformats.org/officeDocument/2006/relationships" name="Material">
+  <a:themeElements>
+    <a:clrScheme name="Material">
+      <a:dk1>
+        <a:srgbClr val="4285F4"/>
+      </a:dk1>
+      <a:lt1>
+        <a:srgbClr val="FFFFFF"/>
+      </a:lt1>
+      <a:dk2>
+        <a:srgbClr val="424242"/>
+      </a:dk2>
+      <a:lt2>
+        <a:srgbClr val="737373"/>
+      </a:lt2>
+      <a:accent1>
+        <a:srgbClr val="0277BD"/>
+      </a:accent1>
+      <a:accent2>
+        <a:srgbClr val="0F9D58"/>
+      </a:accent2>
+      <a:accent3>
+        <a:srgbClr val="DB4437"/>
+      </a:accent3>
+      <a:accent4>
+        <a:srgbClr val="FAFAFA"/>
+      </a:accent4>
+      <a:accent5>
+        <a:srgbClr val="4FC3F7"/>
+      </a:accent5>
+      <a:accent6>
+        <a:srgbClr val="F4B400"/>
+      </a:accent6>
+      <a:hlink>
+        <a:srgbClr val="4FC3F7"/>
+      </a:hlink>
+      <a:folHlink>
+        <a:srgbClr val="4FC3F7"/>
+      </a:folHlink>
+    </a:clrScheme>
+    <a:fontScheme name="Office">
+      <a:majorFont>
+        <a:latin typeface="Arial"/>
+        <a:ea typeface=""/>
+        <a:cs typeface=""/>
+        <a:font script="Jpan" typeface="ＭＳ Ｐゴシック"/>
+        <a:font script="Hang" typeface="맑은 고딕"/>
+        <a:font script="Hans" typeface="宋体"/>
+        <a:font script="Hant" typeface="新細明體"/>
+        <a:font script="Arab" typeface="Times New Roman"/>
+        <a:font script="Hebr" typeface="Times New Roman"/>
+        <a:font script="Thai" typeface="Angsana New"/>
+        <a:font script="Ethi" typeface="Nyala"/>
+        <a:font script="Beng" typeface="Vrinda"/>
+        <a:font script="Gujr" typeface="Shruti"/>
+        <a:font script="Khmr" typeface="MoolBoran"/>
+        <a:font script="Knda" typeface="Tunga"/>
+        <a:font script="Guru" typeface="Raavi"/>
+        <a:font script="Cans" typeface="Euphemia"/>
+        <a:font script="Cher" typeface="Plantagenet Cherokee"/>
+        <a:font script="Yiii" typeface="Microsoft Yi Baiti"/>
+        <a:font script="Tibt" typeface="Microsoft Himalaya"/>
+        <a:font script="Thaa" typeface="MV Boli"/>
+        <a:font script="Deva" typeface="Mangal"/>
+        <a:font script="Telu" typeface="Gautami"/>
+        <a:font script="Taml" typeface="Latha"/>
+        <a:font script="Syrc" typeface="Estrangelo Edessa"/>
+        <a:font script="Orya" typeface="Kalinga"/>
+        <a:font script="Mlym" typeface="Kartika"/>
+        <a:font script="Laoo" typeface="DokChampa"/>
+        <a:font script="Sinh" typeface="Iskoola Pota"/>
+        <a:font script="Mong" typeface="Mongolian Baiti"/>
+        <a:font script="Viet" typeface="Times New Roman"/>
+        <a:font script="Uigh" typeface="Microsoft Uighur"/>
+        <a:font script="Geor" typeface="Sylfaen"/>
+      </a:majorFont>
+      <a:minorFont>
+        <a:latin typeface="Arial"/>
+        <a:ea typeface=""/>
+        <a:cs typeface=""/>
+        <a:font script="Jpan" typeface="ＭＳ Ｐゴシック"/>
+        <a:font script="Hang" typeface="맑은 고딕"/>
+        <a:font script="Hans" typeface="宋体"/>
+        <a:font script="Hant" typeface="新細明體"/>
+        <a:font script="Arab" typeface="Arial"/>
+        <a:font script="Hebr" typeface="Arial"/>
+        <a:font script="Thai" typeface="Cordia New"/>
+        <a:font script="Ethi" typeface="Nyala"/>
+        <a:font script="Beng" typeface="Vrinda"/>
+        <a:font script="Gujr" typeface="Shruti"/>
+        <a:font script="Khmr" typeface="DaunPenh"/>
+        <a:font script="Knda" typeface="Tunga"/>
+        <a:font script="Guru" typeface="Raavi"/>
+        <a:font script="Cans" typeface="Euphemia"/>
+        <a:font script="Cher" typeface="Plantagenet Cherokee"/>
+        <a:font script="Yiii" typeface="Microsoft Yi Baiti"/>
+        <a:font script="Tibt" typeface="Microsoft Himalaya"/>
+        <a:font script="Thaa" typeface="MV Boli"/>
+        <a:font script="Deva" typeface="Mangal"/>
+        <a:font script="Telu" typeface="Gautami"/>
+        <a:font script="Taml" typeface="Latha"/>
+        <a:font script="Syrc" typeface="Estrangelo Edessa"/>
+        <a:font script="Orya" typeface="Kalinga"/>
+        <a:font script="Mlym" typeface="Kartika"/>
+        <a:font script="Laoo" typeface="DokChampa"/>
+        <a:font script="Sinh" typeface="Iskoola Pota"/>
+        <a:font script="Mong" typeface="Mongolian Baiti"/>
+        <a:font script="Viet" typeface="Arial"/>
+        <a:font script="Uigh" typeface="Microsoft Uighur"/>
+        <a:font script="Geor" typeface="Sylfaen"/>
+      </a:minorFont>
+    </a:fontScheme>
+    <a:fmtScheme name="Office">
+      <a:fillStyleLst>
+        <a:solidFill>
+          <a:schemeClr val="phClr"/>
+        </a:solidFill>
+        <a:gradFill rotWithShape="1">
+          <a:gsLst>
+            <a:gs pos="0">
+              <a:schemeClr val="phClr">
+                <a:tint val="50000"/>
+                <a:satMod val="300000"/>
+              </a:schemeClr>
+            </a:gs>
+            <a:gs pos="35000">
+              <a:schemeClr val="phClr">
+                <a:tint val="37000"/>
+                <a:satMod val="300000"/>
+              </a:schemeClr>
+            </a:gs>
+            <a:gs pos="100000">
+              <a:schemeClr val="phClr">
+                <a:tint val="15000"/>
+                <a:satMod val="350000"/>
+              </a:schemeClr>
+            </a:gs>
+          </a:gsLst>
+          <a:lin ang="16200000" scaled="1"/>
+        </a:gradFill>
+        <a:gradFill rotWithShape="1">
+          <a:gsLst>
+            <a:gs pos="0">
+              <a:schemeClr val="phClr">
+                <a:tint val="100000"/>
+                <a:shade val="100000"/>
+                <a:satMod val="130000"/>
+              </a:schemeClr>
+            </a:gs>
+            <a:gs pos="100000">
+              <a:schemeClr val="phClr">
+                <a:tint val="50000"/>
+                <a:shade val="100000"/>
+                <a:satMod val="350000"/>
+              </a:schemeClr>
+            </a:gs>
+          </a:gsLst>
+          <a:lin ang="16200000" scaled="0"/>
+        </a:gradFill>
+      </a:fillStyleLst>
+      <a:lnStyleLst>
+        <a:ln w="9525" cap="flat" cmpd="sng" algn="ctr">
+          <a:solidFill>
+            <a:schemeClr val="phClr">
+              <a:shade val="95000"/>
+              <a:satMod val="105000"/>
+            </a:schemeClr>
+          </a:solidFill>
+          <a:prstDash val="solid"/>
+        </a:ln>
+        <a:ln w="25400" cap="flat" cmpd="sng" algn="ctr">
+          <a:solidFill>
+            <a:schemeClr val="phClr"/>
+          </a:solidFill>
+          <a:prstDash val="solid"/>
+        </a:ln>
+        <a:ln w="38100" cap="flat" cmpd="sng" algn="ctr">
+          <a:solidFill>
+            <a:schemeClr val="phClr"/>
+          </a:solidFill>
+          <a:prstDash val="solid"/>
+        </a:ln>
+      </a:lnStyleLst>
+      <a:effectStyleLst>
+        <a:effectStyle>
+          <a:effectLst>
+            <a:outerShdw blurRad="40000" dist="20000" dir="5400000" rotWithShape="0">
+              <a:srgbClr val="000000">
+                <a:alpha val="38000"/>
+              </a:srgbClr>
+            </a:outerShdw>
+          </a:effectLst>
+        </a:effectStyle>
+        <a:effectStyle>
+          <a:effectLst>
+            <a:outerShdw blurRad="40000" dist="23000" dir="5400000" rotWithShape="0">
+              <a:srgbClr val="000000">
+                <a:alpha val="35000"/>
+              </a:srgbClr>
+            </a:outerShdw>
+          </a:effectLst>
+        </a:effectStyle>
+        <a:effectStyle>
+          <a:effectLst>
+            <a:outerShdw blurRad="40000" dist="23000" dir="5400000" rotWithShape="0">
+              <a:srgbClr val="000000">
+                <a:alpha val="35000"/>
+              </a:srgbClr>
+            </a:outerShdw>
+          </a:effectLst>
+          <a:scene3d>
+            <a:camera prst="orthographicFront">
+              <a:rot lat="0" lon="0" rev="0"/>
+            </a:camera>
+            <a:lightRig rig="threePt" dir="t">
+              <a:rot lat="0" lon="0" rev="1200000"/>
+            </a:lightRig>
+          </a:scene3d>
+          <a:sp3d>
+            <a:bevelT w="63500" h="25400"/>
+          </a:sp3d>
+        </a:effectStyle>
+      </a:effectStyleLst>
+      <a:bgFillStyleLst>
+        <a:solidFill>
+          <a:schemeClr val="phClr"/>
+        </a:solidFill>
+        <a:gradFill rotWithShape="1">
+          <a:gsLst>
+            <a:gs pos="0">
+              <a:schemeClr val="phClr">
+                <a:tint val="40000"/>
+                <a:satMod val="350000"/>
+              </a:schemeClr>
+            </a:gs>
+            <a:gs pos="40000">
+              <a:schemeClr val="phClr">
+                <a:tint val="45000"/>
+                <a:shade val="99000"/>
+                <a:satMod val="350000"/>
+              </a:schemeClr>
+            </a:gs>
+            <a:gs pos="100000">
+              <a:schemeClr val="phClr">
+                <a:shade val="20000"/>
+                <a:satMod val="255000"/>
+              </a:schemeClr>
+            </a:gs>
+          </a:gsLst>
+          <a:path path="circle">
+            <a:fillToRect l="50000" t="-80000" r="50000" b="180000"/>
+          </a:path>
+        </a:gradFill>
+        <a:gradFill rotWithShape="1">
+          <a:gsLst>
+            <a:gs pos="0">
+              <a:schemeClr val="phClr">
+                <a:tint val="80000"/>
+                <a:satMod val="300000"/>
+              </a:schemeClr>
+            </a:gs>
+            <a:gs pos="100000">
+              <a:schemeClr val="phClr">
+                <a:shade val="30000"/>
+                <a:satMod val="200000"/>
+              </a:schemeClr>
+            </a:gs>
+          </a:gsLst>
+          <a:path path="circle">
+            <a:fillToRect l="50000" t="50000" r="50000" b="50000"/>
+          </a:path>
+        </a:gradFill>
+      </a:bgFillStyleLst>
+    </a:fmtScheme>
+  </a:themeElements>
+</a:theme>
+</file>
+
+<file path=ppt/theme/theme2.xml><?xml version="1.0" encoding="utf-8"?>
 <a:theme xmlns:a="http://schemas.openxmlformats.org/drawingml/2006/main" xmlns:r="http://schemas.openxmlformats.org/officeDocument/2006/relationships">
   <a:themeElements>
     <a:clrScheme name="Default">
@@ -10593,283 +10872,4 @@
     </a:fmtScheme>
   </a:themeElements>
 </a:theme>
-</file>
-
-<file path=ppt/theme/theme2.xml><?xml version="1.0" encoding="utf-8"?>
-<a:theme xmlns:a="http://schemas.openxmlformats.org/drawingml/2006/main" xmlns:r="http://schemas.openxmlformats.org/officeDocument/2006/relationships" name="Material">
-  <a:themeElements>
-    <a:clrScheme name="Material">
-      <a:dk1>
-        <a:srgbClr val="4285F4"/>
-      </a:dk1>
-      <a:lt1>
-        <a:srgbClr val="FFFFFF"/>
-      </a:lt1>
-      <a:dk2>
-        <a:srgbClr val="424242"/>
-      </a:dk2>
-      <a:lt2>
-        <a:srgbClr val="737373"/>
-      </a:lt2>
-      <a:accent1>
-        <a:srgbClr val="0277BD"/>
-      </a:accent1>
-      <a:accent2>
-        <a:srgbClr val="0F9D58"/>
-      </a:accent2>
-      <a:accent3>
-        <a:srgbClr val="DB4437"/>
-      </a:accent3>
-      <a:accent4>
-        <a:srgbClr val="FAFAFA"/>
-      </a:accent4>
-      <a:accent5>
-        <a:srgbClr val="4FC3F7"/>
-      </a:accent5>
-      <a:accent6>
-        <a:srgbClr val="F4B400"/>
-      </a:accent6>
-      <a:hlink>
-        <a:srgbClr val="4FC3F7"/>
-      </a:hlink>
-      <a:folHlink>
-        <a:srgbClr val="4FC3F7"/>
-      </a:folHlink>
-    </a:clrScheme>
-    <a:fontScheme name="Office">
-      <a:majorFont>
-        <a:latin typeface="Arial"/>
-        <a:ea typeface=""/>
-        <a:cs typeface=""/>
-        <a:font script="Jpan" typeface="ＭＳ Ｐゴシック"/>
-        <a:font script="Hang" typeface="맑은 고딕"/>
-        <a:font script="Hans" typeface="宋体"/>
-        <a:font script="Hant" typeface="新細明體"/>
-        <a:font script="Arab" typeface="Times New Roman"/>
-        <a:font script="Hebr" typeface="Times New Roman"/>
-        <a:font script="Thai" typeface="Angsana New"/>
-        <a:font script="Ethi" typeface="Nyala"/>
-        <a:font script="Beng" typeface="Vrinda"/>
-        <a:font script="Gujr" typeface="Shruti"/>
-        <a:font script="Khmr" typeface="MoolBoran"/>
-        <a:font script="Knda" typeface="Tunga"/>
-        <a:font script="Guru" typeface="Raavi"/>
-        <a:font script="Cans" typeface="Euphemia"/>
-        <a:font script="Cher" typeface="Plantagenet Cherokee"/>
-        <a:font script="Yiii" typeface="Microsoft Yi Baiti"/>
-        <a:font script="Tibt" typeface="Microsoft Himalaya"/>
-        <a:font script="Thaa" typeface="MV Boli"/>
-        <a:font script="Deva" typeface="Mangal"/>
-        <a:font script="Telu" typeface="Gautami"/>
-        <a:font script="Taml" typeface="Latha"/>
-        <a:font script="Syrc" typeface="Estrangelo Edessa"/>
-        <a:font script="Orya" typeface="Kalinga"/>
-        <a:font script="Mlym" typeface="Kartika"/>
-        <a:font script="Laoo" typeface="DokChampa"/>
-        <a:font script="Sinh" typeface="Iskoola Pota"/>
-        <a:font script="Mong" typeface="Mongolian Baiti"/>
-        <a:font script="Viet" typeface="Times New Roman"/>
-        <a:font script="Uigh" typeface="Microsoft Uighur"/>
-        <a:font script="Geor" typeface="Sylfaen"/>
-      </a:majorFont>
-      <a:minorFont>
-        <a:latin typeface="Arial"/>
-        <a:ea typeface=""/>
-        <a:cs typeface=""/>
-        <a:font script="Jpan" typeface="ＭＳ Ｐゴシック"/>
-        <a:font script="Hang" typeface="맑은 고딕"/>
-        <a:font script="Hans" typeface="宋体"/>
-        <a:font script="Hant" typeface="新細明體"/>
-        <a:font script="Arab" typeface="Arial"/>
-        <a:font script="Hebr" typeface="Arial"/>
-        <a:font script="Thai" typeface="Cordia New"/>
-        <a:font script="Ethi" typeface="Nyala"/>
-        <a:font script="Beng" typeface="Vrinda"/>
-        <a:font script="Gujr" typeface="Shruti"/>
-        <a:font script="Khmr" typeface="DaunPenh"/>
-        <a:font script="Knda" typeface="Tunga"/>
-        <a:font script="Guru" typeface="Raavi"/>
-        <a:font script="Cans" typeface="Euphemia"/>
-        <a:font script="Cher" typeface="Plantagenet Cherokee"/>
-        <a:font script="Yiii" typeface="Microsoft Yi Baiti"/>
-        <a:font script="Tibt" typeface="Microsoft Himalaya"/>
-        <a:font script="Thaa" typeface="MV Boli"/>
-        <a:font script="Deva" typeface="Mangal"/>
-        <a:font script="Telu" typeface="Gautami"/>
-        <a:font script="Taml" typeface="Latha"/>
-        <a:font script="Syrc" typeface="Estrangelo Edessa"/>
-        <a:font script="Orya" typeface="Kalinga"/>
-        <a:font script="Mlym" typeface="Kartika"/>
-        <a:font script="Laoo" typeface="DokChampa"/>
-        <a:font script="Sinh" typeface="Iskoola Pota"/>
-        <a:font script="Mong" typeface="Mongolian Baiti"/>
-        <a:font script="Viet" typeface="Arial"/>
-        <a:font script="Uigh" typeface="Microsoft Uighur"/>
-        <a:font script="Geor" typeface="Sylfaen"/>
-      </a:minorFont>
-    </a:fontScheme>
-    <a:fmtScheme name="Office">
-      <a:fillStyleLst>
-        <a:solidFill>
-          <a:schemeClr val="phClr"/>
-        </a:solidFill>
-        <a:gradFill rotWithShape="1">
-          <a:gsLst>
-            <a:gs pos="0">
-              <a:schemeClr val="phClr">
-                <a:tint val="50000"/>
-                <a:satMod val="300000"/>
-              </a:schemeClr>
-            </a:gs>
-            <a:gs pos="35000">
-              <a:schemeClr val="phClr">
-                <a:tint val="37000"/>
-                <a:satMod val="300000"/>
-              </a:schemeClr>
-            </a:gs>
-            <a:gs pos="100000">
-              <a:schemeClr val="phClr">
-                <a:tint val="15000"/>
-                <a:satMod val="350000"/>
-              </a:schemeClr>
-            </a:gs>
-          </a:gsLst>
-          <a:lin ang="16200000" scaled="1"/>
-        </a:gradFill>
-        <a:gradFill rotWithShape="1">
-          <a:gsLst>
-            <a:gs pos="0">
-              <a:schemeClr val="phClr">
-                <a:tint val="100000"/>
-                <a:shade val="100000"/>
-                <a:satMod val="130000"/>
-              </a:schemeClr>
-            </a:gs>
-            <a:gs pos="100000">
-              <a:schemeClr val="phClr">
-                <a:tint val="50000"/>
-                <a:shade val="100000"/>
-                <a:satMod val="350000"/>
-              </a:schemeClr>
-            </a:gs>
-          </a:gsLst>
-          <a:lin ang="16200000" scaled="0"/>
-        </a:gradFill>
-      </a:fillStyleLst>
-      <a:lnStyleLst>
-        <a:ln w="9525" cap="flat" cmpd="sng" algn="ctr">
-          <a:solidFill>
-            <a:schemeClr val="phClr">
-              <a:shade val="95000"/>
-              <a:satMod val="105000"/>
-            </a:schemeClr>
-          </a:solidFill>
-          <a:prstDash val="solid"/>
-        </a:ln>
-        <a:ln w="25400" cap="flat" cmpd="sng" algn="ctr">
-          <a:solidFill>
-            <a:schemeClr val="phClr"/>
-          </a:solidFill>
-          <a:prstDash val="solid"/>
-        </a:ln>
-        <a:ln w="38100" cap="flat" cmpd="sng" algn="ctr">
-          <a:solidFill>
-            <a:schemeClr val="phClr"/>
-          </a:solidFill>
-          <a:prstDash val="solid"/>
-        </a:ln>
-      </a:lnStyleLst>
-      <a:effectStyleLst>
-        <a:effectStyle>
-          <a:effectLst>
-            <a:outerShdw blurRad="40000" dist="20000" dir="5400000" rotWithShape="0">
-              <a:srgbClr val="000000">
-                <a:alpha val="38000"/>
-              </a:srgbClr>
-            </a:outerShdw>
-          </a:effectLst>
-        </a:effectStyle>
-        <a:effectStyle>
-          <a:effectLst>
-            <a:outerShdw blurRad="40000" dist="23000" dir="5400000" rotWithShape="0">
-              <a:srgbClr val="000000">
-                <a:alpha val="35000"/>
-              </a:srgbClr>
-            </a:outerShdw>
-          </a:effectLst>
-        </a:effectStyle>
-        <a:effectStyle>
-          <a:effectLst>
-            <a:outerShdw blurRad="40000" dist="23000" dir="5400000" rotWithShape="0">
-              <a:srgbClr val="000000">
-                <a:alpha val="35000"/>
-              </a:srgbClr>
-            </a:outerShdw>
-          </a:effectLst>
-          <a:scene3d>
-            <a:camera prst="orthographicFront">
-              <a:rot lat="0" lon="0" rev="0"/>
-            </a:camera>
-            <a:lightRig rig="threePt" dir="t">
-              <a:rot lat="0" lon="0" rev="1200000"/>
-            </a:lightRig>
-          </a:scene3d>
-          <a:sp3d>
-            <a:bevelT w="63500" h="25400"/>
-          </a:sp3d>
-        </a:effectStyle>
-      </a:effectStyleLst>
-      <a:bgFillStyleLst>
-        <a:solidFill>
-          <a:schemeClr val="phClr"/>
-        </a:solidFill>
-        <a:gradFill rotWithShape="1">
-          <a:gsLst>
-            <a:gs pos="0">
-              <a:schemeClr val="phClr">
-                <a:tint val="40000"/>
-                <a:satMod val="350000"/>
-              </a:schemeClr>
-            </a:gs>
-            <a:gs pos="40000">
-              <a:schemeClr val="phClr">
-                <a:tint val="45000"/>
-                <a:shade val="99000"/>
-                <a:satMod val="350000"/>
-              </a:schemeClr>
-            </a:gs>
-            <a:gs pos="100000">
-              <a:schemeClr val="phClr">
-                <a:shade val="20000"/>
-                <a:satMod val="255000"/>
-              </a:schemeClr>
-            </a:gs>
-          </a:gsLst>
-          <a:path path="circle">
-            <a:fillToRect l="50000" t="-80000" r="50000" b="180000"/>
-          </a:path>
-        </a:gradFill>
-        <a:gradFill rotWithShape="1">
-          <a:gsLst>
-            <a:gs pos="0">
-              <a:schemeClr val="phClr">
-                <a:tint val="80000"/>
-                <a:satMod val="300000"/>
-              </a:schemeClr>
-            </a:gs>
-            <a:gs pos="100000">
-              <a:schemeClr val="phClr">
-                <a:shade val="30000"/>
-                <a:satMod val="200000"/>
-              </a:schemeClr>
-            </a:gs>
-          </a:gsLst>
-          <a:path path="circle">
-            <a:fillToRect l="50000" t="50000" r="50000" b="50000"/>
-          </a:path>
-        </a:gradFill>
-      </a:bgFillStyleLst>
-    </a:fmtScheme>
-  </a:themeElements>
-</a:theme>
 </file>
--- a/presentation/Progress Report 2.pptx
+++ b/presentation/Progress Report 2.pptx
@@ -24,16 +24,18 @@
     <p:sldId id="269" r:id="rId18"/>
     <p:sldId id="270" r:id="rId19"/>
     <p:sldId id="271" r:id="rId20"/>
+    <p:sldId id="272" r:id="rId21"/>
+    <p:sldId id="273" r:id="rId22"/>
   </p:sldIdLst>
   <p:sldSz cy="5143500" cx="9144000"/>
   <p:notesSz cx="6858000" cy="9144000"/>
   <p:embeddedFontLst>
     <p:embeddedFont>
       <p:font typeface="Roboto"/>
-      <p:regular r:id="rId21"/>
-      <p:bold r:id="rId22"/>
-      <p:italic r:id="rId23"/>
-      <p:boldItalic r:id="rId24"/>
+      <p:regular r:id="rId23"/>
+      <p:bold r:id="rId24"/>
+      <p:italic r:id="rId25"/>
+      <p:boldItalic r:id="rId26"/>
     </p:embeddedFont>
   </p:embeddedFontLst>
   <p:defaultTextStyle>
@@ -796,7 +798,7 @@
   <p:cSld>
     <p:spTree>
       <p:nvGrpSpPr>
-        <p:cNvPr id="122" name="Shape 122"/>
+        <p:cNvPr id="121" name="Shape 121"/>
         <p:cNvGrpSpPr/>
         <p:nvPr/>
       </p:nvGrpSpPr>
@@ -810,7 +812,7 @@
       </p:grpSpPr>
       <p:sp>
         <p:nvSpPr>
-          <p:cNvPr id="123" name="Google Shape;123;g4f08f6dade_8_0:notes"/>
+          <p:cNvPr id="122" name="Google Shape;122;g4f0e6f974a_2_2:notes"/>
           <p:cNvSpPr/>
           <p:nvPr>
             <p:ph idx="2" type="sldImg"/>
@@ -845,7 +847,7 @@
       </p:sp>
       <p:sp>
         <p:nvSpPr>
-          <p:cNvPr id="124" name="Google Shape;124;g4f08f6dade_8_0:notes"/>
+          <p:cNvPr id="123" name="Google Shape;123;g4f0e6f974a_2_2:notes"/>
           <p:cNvSpPr txBox="1"/>
           <p:nvPr>
             <p:ph idx="1" type="body"/>
@@ -895,7 +897,7 @@
   <p:cSld>
     <p:spTree>
       <p:nvGrpSpPr>
-        <p:cNvPr id="130" name="Shape 130"/>
+        <p:cNvPr id="127" name="Shape 127"/>
         <p:cNvGrpSpPr/>
         <p:nvPr/>
       </p:nvGrpSpPr>
@@ -909,7 +911,7 @@
       </p:grpSpPr>
       <p:sp>
         <p:nvSpPr>
-          <p:cNvPr id="131" name="Google Shape;131;g4f08f6dade_6_0:notes"/>
+          <p:cNvPr id="128" name="Google Shape;128;g4f08f6dade_8_0:notes"/>
           <p:cNvSpPr/>
           <p:nvPr>
             <p:ph idx="2" type="sldImg"/>
@@ -944,7 +946,7 @@
       </p:sp>
       <p:sp>
         <p:nvSpPr>
-          <p:cNvPr id="132" name="Google Shape;132;g4f08f6dade_6_0:notes"/>
+          <p:cNvPr id="129" name="Google Shape;129;g4f08f6dade_8_0:notes"/>
           <p:cNvSpPr txBox="1"/>
           <p:nvPr>
             <p:ph idx="1" type="body"/>
@@ -994,7 +996,7 @@
   <p:cSld>
     <p:spTree>
       <p:nvGrpSpPr>
-        <p:cNvPr id="140" name="Shape 140"/>
+        <p:cNvPr id="134" name="Shape 134"/>
         <p:cNvGrpSpPr/>
         <p:nvPr/>
       </p:nvGrpSpPr>
@@ -1008,7 +1010,7 @@
       </p:grpSpPr>
       <p:sp>
         <p:nvSpPr>
-          <p:cNvPr id="141" name="Google Shape;141;g4fa4df1604_1_0:notes"/>
+          <p:cNvPr id="135" name="Google Shape;135;g4fd252036b_0_0:notes"/>
           <p:cNvSpPr/>
           <p:nvPr>
             <p:ph idx="2" type="sldImg"/>
@@ -1043,7 +1045,7 @@
       </p:sp>
       <p:sp>
         <p:nvSpPr>
-          <p:cNvPr id="142" name="Google Shape;142;g4fa4df1604_1_0:notes"/>
+          <p:cNvPr id="136" name="Google Shape;136;g4fd252036b_0_0:notes"/>
           <p:cNvSpPr txBox="1"/>
           <p:nvPr>
             <p:ph idx="1" type="body"/>
@@ -1093,7 +1095,7 @@
   <p:cSld>
     <p:spTree>
       <p:nvGrpSpPr>
-        <p:cNvPr id="147" name="Shape 147"/>
+        <p:cNvPr id="140" name="Shape 140"/>
         <p:cNvGrpSpPr/>
         <p:nvPr/>
       </p:nvGrpSpPr>
@@ -1107,7 +1109,7 @@
       </p:grpSpPr>
       <p:sp>
         <p:nvSpPr>
-          <p:cNvPr id="148" name="Google Shape;148;g4f7fc6faf7_0_134:notes"/>
+          <p:cNvPr id="141" name="Google Shape;141;g4f08f6dade_6_0:notes"/>
           <p:cNvSpPr/>
           <p:nvPr>
             <p:ph idx="2" type="sldImg"/>
@@ -1142,7 +1144,7 @@
       </p:sp>
       <p:sp>
         <p:nvSpPr>
-          <p:cNvPr id="149" name="Google Shape;149;g4f7fc6faf7_0_134:notes"/>
+          <p:cNvPr id="142" name="Google Shape;142;g4f08f6dade_6_0:notes"/>
           <p:cNvSpPr txBox="1"/>
           <p:nvPr>
             <p:ph idx="1" type="body"/>
@@ -1192,7 +1194,7 @@
   <p:cSld>
     <p:spTree>
       <p:nvGrpSpPr>
-        <p:cNvPr id="153" name="Shape 153"/>
+        <p:cNvPr id="150" name="Shape 150"/>
         <p:cNvGrpSpPr/>
         <p:nvPr/>
       </p:nvGrpSpPr>
@@ -1206,7 +1208,7 @@
       </p:grpSpPr>
       <p:sp>
         <p:nvSpPr>
-          <p:cNvPr id="154" name="Google Shape;154;g4f08f6dade_4_0:notes"/>
+          <p:cNvPr id="151" name="Google Shape;151;g4fa4df1604_1_0:notes"/>
           <p:cNvSpPr/>
           <p:nvPr>
             <p:ph idx="2" type="sldImg"/>
@@ -1241,7 +1243,7 @@
       </p:sp>
       <p:sp>
         <p:nvSpPr>
-          <p:cNvPr id="155" name="Google Shape;155;g4f08f6dade_4_0:notes"/>
+          <p:cNvPr id="152" name="Google Shape;152;g4fa4df1604_1_0:notes"/>
           <p:cNvSpPr txBox="1"/>
           <p:nvPr>
             <p:ph idx="1" type="body"/>
@@ -1291,7 +1293,7 @@
   <p:cSld>
     <p:spTree>
       <p:nvGrpSpPr>
-        <p:cNvPr id="159" name="Shape 159"/>
+        <p:cNvPr id="157" name="Shape 157"/>
         <p:cNvGrpSpPr/>
         <p:nvPr/>
       </p:nvGrpSpPr>
@@ -1305,7 +1307,7 @@
       </p:grpSpPr>
       <p:sp>
         <p:nvSpPr>
-          <p:cNvPr id="160" name="Google Shape;160;g4f7fc6faf7_0_139:notes"/>
+          <p:cNvPr id="158" name="Google Shape;158;g4f7fc6faf7_0_134:notes"/>
           <p:cNvSpPr/>
           <p:nvPr>
             <p:ph idx="2" type="sldImg"/>
@@ -1340,7 +1342,7 @@
       </p:sp>
       <p:sp>
         <p:nvSpPr>
-          <p:cNvPr id="161" name="Google Shape;161;g4f7fc6faf7_0_139:notes"/>
+          <p:cNvPr id="159" name="Google Shape;159;g4f7fc6faf7_0_134:notes"/>
           <p:cNvSpPr txBox="1"/>
           <p:nvPr>
             <p:ph idx="1" type="body"/>
@@ -1390,7 +1392,7 @@
   <p:cSld>
     <p:spTree>
       <p:nvGrpSpPr>
-        <p:cNvPr id="164" name="Shape 164"/>
+        <p:cNvPr id="163" name="Shape 163"/>
         <p:cNvGrpSpPr/>
         <p:nvPr/>
       </p:nvGrpSpPr>
@@ -1404,7 +1406,7 @@
       </p:grpSpPr>
       <p:sp>
         <p:nvSpPr>
-          <p:cNvPr id="165" name="Google Shape;165;g4f08f6dade_1_0:notes"/>
+          <p:cNvPr id="164" name="Google Shape;164;g4f08f6dade_4_0:notes"/>
           <p:cNvSpPr/>
           <p:nvPr>
             <p:ph idx="2" type="sldImg"/>
@@ -1439,7 +1441,205 @@
       </p:sp>
       <p:sp>
         <p:nvSpPr>
-          <p:cNvPr id="166" name="Google Shape;166;g4f08f6dade_1_0:notes"/>
+          <p:cNvPr id="165" name="Google Shape;165;g4f08f6dade_4_0:notes"/>
+          <p:cNvSpPr txBox="1"/>
+          <p:nvPr>
+            <p:ph idx="1" type="body"/>
+          </p:nvPr>
+        </p:nvSpPr>
+        <p:spPr>
+          <a:xfrm>
+            <a:off x="685800" y="4343400"/>
+            <a:ext cx="5486400" cy="4114800"/>
+          </a:xfrm>
+          <a:prstGeom prst="rect">
+            <a:avLst/>
+          </a:prstGeom>
+        </p:spPr>
+        <p:txBody>
+          <a:bodyPr anchorCtr="0" anchor="t" bIns="91425" lIns="91425" spcFirstLastPara="1" rIns="91425" wrap="square" tIns="91425">
+            <a:noAutofit/>
+          </a:bodyPr>
+          <a:lstStyle/>
+          <a:p>
+            <a:pPr indent="0" lvl="0" marL="0" rtl="0" algn="l">
+              <a:spcBef>
+                <a:spcPts val="0"/>
+              </a:spcBef>
+              <a:spcAft>
+                <a:spcPts val="0"/>
+              </a:spcAft>
+              <a:buNone/>
+            </a:pPr>
+            <a:r>
+              <a:t/>
+            </a:r>
+            <a:endParaRPr/>
+          </a:p>
+        </p:txBody>
+      </p:sp>
+    </p:spTree>
+  </p:cSld>
+  <p:clrMapOvr>
+    <a:masterClrMapping/>
+  </p:clrMapOvr>
+</p:notes>
+</file>
+
+<file path=ppt/notesSlides/notesSlide17.xml><?xml version="1.0" encoding="utf-8"?>
+<p:notes xmlns:a="http://schemas.openxmlformats.org/drawingml/2006/main" xmlns:r="http://schemas.openxmlformats.org/officeDocument/2006/relationships" xmlns:mc="http://schemas.openxmlformats.org/markup-compatibility/2006" xmlns:mv="urn:schemas-microsoft-com:mac:vml" xmlns:p="http://schemas.openxmlformats.org/presentationml/2006/main" xmlns:c="http://schemas.openxmlformats.org/drawingml/2006/chart" xmlns:dgm="http://schemas.openxmlformats.org/drawingml/2006/diagram" xmlns:o="urn:schemas-microsoft-com:office:office" xmlns:v="urn:schemas-microsoft-com:vml" xmlns:pvml="urn:schemas-microsoft-com:office:powerpoint" xmlns:com="http://schemas.openxmlformats.org/drawingml/2006/compatibility" xmlns:p14="http://schemas.microsoft.com/office/powerpoint/2010/main" xmlns:p15="http://schemas.microsoft.com/office/powerpoint/2012/main" showMasterPhAnim="0" showMasterSp="0">
+  <p:cSld>
+    <p:spTree>
+      <p:nvGrpSpPr>
+        <p:cNvPr id="169" name="Shape 169"/>
+        <p:cNvGrpSpPr/>
+        <p:nvPr/>
+      </p:nvGrpSpPr>
+      <p:grpSpPr>
+        <a:xfrm>
+          <a:off x="0" y="0"/>
+          <a:ext cx="0" cy="0"/>
+          <a:chOff x="0" y="0"/>
+          <a:chExt cx="0" cy="0"/>
+        </a:xfrm>
+      </p:grpSpPr>
+      <p:sp>
+        <p:nvSpPr>
+          <p:cNvPr id="170" name="Google Shape;170;g4f7fc6faf7_0_139:notes"/>
+          <p:cNvSpPr/>
+          <p:nvPr>
+            <p:ph idx="2" type="sldImg"/>
+          </p:nvPr>
+        </p:nvSpPr>
+        <p:spPr>
+          <a:xfrm>
+            <a:off x="381300" y="685800"/>
+            <a:ext cx="6096000" cy="3429000"/>
+          </a:xfrm>
+          <a:custGeom>
+            <a:rect b="b" l="l" r="r" t="t"/>
+            <a:pathLst>
+              <a:path extrusionOk="0" h="120000" w="120000">
+                <a:moveTo>
+                  <a:pt x="0" y="0"/>
+                </a:moveTo>
+                <a:lnTo>
+                  <a:pt x="120000" y="0"/>
+                </a:lnTo>
+                <a:lnTo>
+                  <a:pt x="120000" y="120000"/>
+                </a:lnTo>
+                <a:lnTo>
+                  <a:pt x="0" y="120000"/>
+                </a:lnTo>
+                <a:close/>
+              </a:path>
+            </a:pathLst>
+          </a:custGeom>
+        </p:spPr>
+      </p:sp>
+      <p:sp>
+        <p:nvSpPr>
+          <p:cNvPr id="171" name="Google Shape;171;g4f7fc6faf7_0_139:notes"/>
+          <p:cNvSpPr txBox="1"/>
+          <p:nvPr>
+            <p:ph idx="1" type="body"/>
+          </p:nvPr>
+        </p:nvSpPr>
+        <p:spPr>
+          <a:xfrm>
+            <a:off x="685800" y="4343400"/>
+            <a:ext cx="5486400" cy="4114800"/>
+          </a:xfrm>
+          <a:prstGeom prst="rect">
+            <a:avLst/>
+          </a:prstGeom>
+        </p:spPr>
+        <p:txBody>
+          <a:bodyPr anchorCtr="0" anchor="t" bIns="91425" lIns="91425" spcFirstLastPara="1" rIns="91425" wrap="square" tIns="91425">
+            <a:noAutofit/>
+          </a:bodyPr>
+          <a:lstStyle/>
+          <a:p>
+            <a:pPr indent="0" lvl="0" marL="0" rtl="0" algn="l">
+              <a:spcBef>
+                <a:spcPts val="0"/>
+              </a:spcBef>
+              <a:spcAft>
+                <a:spcPts val="0"/>
+              </a:spcAft>
+              <a:buNone/>
+            </a:pPr>
+            <a:r>
+              <a:t/>
+            </a:r>
+            <a:endParaRPr/>
+          </a:p>
+        </p:txBody>
+      </p:sp>
+    </p:spTree>
+  </p:cSld>
+  <p:clrMapOvr>
+    <a:masterClrMapping/>
+  </p:clrMapOvr>
+</p:notes>
+</file>
+
+<file path=ppt/notesSlides/notesSlide18.xml><?xml version="1.0" encoding="utf-8"?>
+<p:notes xmlns:a="http://schemas.openxmlformats.org/drawingml/2006/main" xmlns:r="http://schemas.openxmlformats.org/officeDocument/2006/relationships" xmlns:mc="http://schemas.openxmlformats.org/markup-compatibility/2006" xmlns:mv="urn:schemas-microsoft-com:mac:vml" xmlns:p="http://schemas.openxmlformats.org/presentationml/2006/main" xmlns:c="http://schemas.openxmlformats.org/drawingml/2006/chart" xmlns:dgm="http://schemas.openxmlformats.org/drawingml/2006/diagram" xmlns:o="urn:schemas-microsoft-com:office:office" xmlns:v="urn:schemas-microsoft-com:vml" xmlns:pvml="urn:schemas-microsoft-com:office:powerpoint" xmlns:com="http://schemas.openxmlformats.org/drawingml/2006/compatibility" xmlns:p14="http://schemas.microsoft.com/office/powerpoint/2010/main" xmlns:p15="http://schemas.microsoft.com/office/powerpoint/2012/main" showMasterPhAnim="0" showMasterSp="0">
+  <p:cSld>
+    <p:spTree>
+      <p:nvGrpSpPr>
+        <p:cNvPr id="174" name="Shape 174"/>
+        <p:cNvGrpSpPr/>
+        <p:nvPr/>
+      </p:nvGrpSpPr>
+      <p:grpSpPr>
+        <a:xfrm>
+          <a:off x="0" y="0"/>
+          <a:ext cx="0" cy="0"/>
+          <a:chOff x="0" y="0"/>
+          <a:chExt cx="0" cy="0"/>
+        </a:xfrm>
+      </p:grpSpPr>
+      <p:sp>
+        <p:nvSpPr>
+          <p:cNvPr id="175" name="Google Shape;175;g4f08f6dade_1_0:notes"/>
+          <p:cNvSpPr/>
+          <p:nvPr>
+            <p:ph idx="2" type="sldImg"/>
+          </p:nvPr>
+        </p:nvSpPr>
+        <p:spPr>
+          <a:xfrm>
+            <a:off x="381300" y="685800"/>
+            <a:ext cx="6096000" cy="3429000"/>
+          </a:xfrm>
+          <a:custGeom>
+            <a:rect b="b" l="l" r="r" t="t"/>
+            <a:pathLst>
+              <a:path extrusionOk="0" h="120000" w="120000">
+                <a:moveTo>
+                  <a:pt x="0" y="0"/>
+                </a:moveTo>
+                <a:lnTo>
+                  <a:pt x="120000" y="0"/>
+                </a:lnTo>
+                <a:lnTo>
+                  <a:pt x="120000" y="120000"/>
+                </a:lnTo>
+                <a:lnTo>
+                  <a:pt x="0" y="120000"/>
+                </a:lnTo>
+                <a:close/>
+              </a:path>
+            </a:pathLst>
+          </a:custGeom>
+        </p:spPr>
+      </p:sp>
+      <p:sp>
+        <p:nvSpPr>
+          <p:cNvPr id="176" name="Google Shape;176;g4f08f6dade_1_0:notes"/>
           <p:cNvSpPr txBox="1"/>
           <p:nvPr>
             <p:ph idx="1" type="body"/>
@@ -2182,7 +2382,7 @@
   <p:cSld>
     <p:spTree>
       <p:nvGrpSpPr>
-        <p:cNvPr id="116" name="Shape 116"/>
+        <p:cNvPr id="115" name="Shape 115"/>
         <p:cNvGrpSpPr/>
         <p:nvPr/>
       </p:nvGrpSpPr>
@@ -2196,7 +2396,7 @@
       </p:grpSpPr>
       <p:sp>
         <p:nvSpPr>
-          <p:cNvPr id="117" name="Google Shape;117;g4f0e6f974a_2_2:notes"/>
+          <p:cNvPr id="116" name="Google Shape;116;g4fd252036b_0_6:notes"/>
           <p:cNvSpPr/>
           <p:nvPr>
             <p:ph idx="2" type="sldImg"/>
@@ -2231,7 +2431,7 @@
       </p:sp>
       <p:sp>
         <p:nvSpPr>
-          <p:cNvPr id="118" name="Google Shape;118;g4f0e6f974a_2_2:notes"/>
+          <p:cNvPr id="117" name="Google Shape;117;g4fd252036b_0_6:notes"/>
           <p:cNvSpPr txBox="1"/>
           <p:nvPr>
             <p:ph idx="1" type="body"/>
@@ -8429,7 +8629,7 @@
   <p:cSld>
     <p:spTree>
       <p:nvGrpSpPr>
-        <p:cNvPr id="125" name="Shape 125"/>
+        <p:cNvPr id="124" name="Shape 124"/>
         <p:cNvGrpSpPr/>
         <p:nvPr/>
       </p:nvGrpSpPr>
@@ -8443,7 +8643,112 @@
       </p:grpSpPr>
       <p:sp>
         <p:nvSpPr>
+          <p:cNvPr id="125" name="Google Shape;125;p22"/>
+          <p:cNvSpPr txBox="1"/>
+          <p:nvPr>
+            <p:ph type="title"/>
+          </p:nvPr>
+        </p:nvSpPr>
+        <p:spPr>
+          <a:xfrm>
+            <a:off x="471900" y="738725"/>
+            <a:ext cx="8222100" cy="767700"/>
+          </a:xfrm>
+          <a:prstGeom prst="rect">
+            <a:avLst/>
+          </a:prstGeom>
+        </p:spPr>
+        <p:txBody>
+          <a:bodyPr anchorCtr="0" anchor="b" bIns="91425" lIns="91425" spcFirstLastPara="1" rIns="91425" wrap="square" tIns="91425">
+            <a:noAutofit/>
+          </a:bodyPr>
+          <a:lstStyle/>
+          <a:p>
+            <a:pPr indent="0" lvl="0" marL="0" rtl="0" algn="l">
+              <a:spcBef>
+                <a:spcPts val="0"/>
+              </a:spcBef>
+              <a:spcAft>
+                <a:spcPts val="0"/>
+              </a:spcAft>
+              <a:buNone/>
+            </a:pPr>
+            <a:r>
+              <a:rPr lang="en"/>
+              <a:t>Recipe Based on </a:t>
+            </a:r>
+            <a:r>
+              <a:rPr lang="en"/>
+              <a:t>Ingredients</a:t>
+            </a:r>
+            <a:r>
+              <a:rPr lang="en"/>
+              <a:t> </a:t>
+            </a:r>
+            <a:r>
+              <a:rPr lang="en"/>
+              <a:t>available</a:t>
+            </a:r>
+            <a:endParaRPr/>
+          </a:p>
+        </p:txBody>
+      </p:sp>
+      <p:pic>
+        <p:nvPicPr>
           <p:cNvPr id="126" name="Google Shape;126;p22"/>
+          <p:cNvPicPr preferRelativeResize="0"/>
+          <p:nvPr/>
+        </p:nvPicPr>
+        <p:blipFill>
+          <a:blip r:embed="rId3">
+            <a:alphaModFix/>
+          </a:blip>
+          <a:stretch>
+            <a:fillRect/>
+          </a:stretch>
+        </p:blipFill>
+        <p:spPr>
+          <a:xfrm>
+            <a:off x="277663" y="1666150"/>
+            <a:ext cx="8610581" cy="3477350"/>
+          </a:xfrm>
+          <a:prstGeom prst="rect">
+            <a:avLst/>
+          </a:prstGeom>
+          <a:noFill/>
+          <a:ln>
+            <a:noFill/>
+          </a:ln>
+        </p:spPr>
+      </p:pic>
+    </p:spTree>
+  </p:cSld>
+  <p:clrMapOvr>
+    <a:masterClrMapping/>
+  </p:clrMapOvr>
+</p:sld>
+</file>
+
+<file path=ppt/slides/slide11.xml><?xml version="1.0" encoding="utf-8"?>
+<p:sld xmlns:a="http://schemas.openxmlformats.org/drawingml/2006/main" xmlns:r="http://schemas.openxmlformats.org/officeDocument/2006/relationships" xmlns:mc="http://schemas.openxmlformats.org/markup-compatibility/2006" xmlns:mv="urn:schemas-microsoft-com:mac:vml" xmlns:p="http://schemas.openxmlformats.org/presentationml/2006/main" xmlns:c="http://schemas.openxmlformats.org/drawingml/2006/chart" xmlns:dgm="http://schemas.openxmlformats.org/drawingml/2006/diagram" xmlns:o="urn:schemas-microsoft-com:office:office" xmlns:v="urn:schemas-microsoft-com:vml" xmlns:pvml="urn:schemas-microsoft-com:office:powerpoint" xmlns:com="http://schemas.openxmlformats.org/drawingml/2006/compatibility" xmlns:p14="http://schemas.microsoft.com/office/powerpoint/2010/main" xmlns:p15="http://schemas.microsoft.com/office/powerpoint/2012/main">
+  <p:cSld>
+    <p:spTree>
+      <p:nvGrpSpPr>
+        <p:cNvPr id="130" name="Shape 130"/>
+        <p:cNvGrpSpPr/>
+        <p:nvPr/>
+      </p:nvGrpSpPr>
+      <p:grpSpPr>
+        <a:xfrm>
+          <a:off x="0" y="0"/>
+          <a:ext cx="0" cy="0"/>
+          <a:chOff x="0" y="0"/>
+          <a:chExt cx="0" cy="0"/>
+        </a:xfrm>
+      </p:grpSpPr>
+      <p:sp>
+        <p:nvSpPr>
+          <p:cNvPr id="131" name="Google Shape;131;p23"/>
           <p:cNvSpPr txBox="1"/>
           <p:nvPr>
             <p:ph type="title"/>
@@ -8483,7 +8788,7 @@
       </p:sp>
       <p:sp>
         <p:nvSpPr>
-          <p:cNvPr id="127" name="Google Shape;127;p22"/>
+          <p:cNvPr id="132" name="Google Shape;132;p23"/>
           <p:cNvSpPr txBox="1"/>
           <p:nvPr/>
         </p:nvSpPr>
@@ -8506,7 +8811,7 @@
           </a:bodyPr>
           <a:lstStyle/>
           <a:p>
-            <a:pPr indent="0" lvl="0" marL="0" rtl="0" algn="l">
+            <a:pPr indent="457200" lvl="0" marL="2286000" rtl="0" algn="l">
               <a:spcBef>
                 <a:spcPts val="0"/>
               </a:spcBef>
@@ -8526,53 +8831,6 @@
                 <a:sym typeface="Roboto"/>
               </a:rPr>
               <a:t>Class Diagram								</a:t>
-            </a:r>
-            <a:r>
-              <a:rPr lang="en" sz="1800">
-                <a:solidFill>
-                  <a:srgbClr val="FFFFFF"/>
-                </a:solidFill>
-                <a:latin typeface="Roboto"/>
-                <a:ea typeface="Roboto"/>
-                <a:cs typeface="Roboto"/>
-                <a:sym typeface="Roboto"/>
-              </a:rPr>
-              <a:t>Sequence</a:t>
-            </a:r>
-            <a:r>
-              <a:rPr lang="en" sz="1800">
-                <a:solidFill>
-                  <a:srgbClr val="FFFFFF"/>
-                </a:solidFill>
-                <a:latin typeface="Roboto"/>
-                <a:ea typeface="Roboto"/>
-                <a:cs typeface="Roboto"/>
-                <a:sym typeface="Roboto"/>
-              </a:rPr>
-              <a:t> Diagram</a:t>
-            </a:r>
-            <a:endParaRPr sz="1800">
-              <a:solidFill>
-                <a:srgbClr val="FFFFFF"/>
-              </a:solidFill>
-              <a:latin typeface="Roboto"/>
-              <a:ea typeface="Roboto"/>
-              <a:cs typeface="Roboto"/>
-              <a:sym typeface="Roboto"/>
-            </a:endParaRPr>
-          </a:p>
-          <a:p>
-            <a:pPr indent="0" lvl="0" marL="0" rtl="0" algn="l">
-              <a:spcBef>
-                <a:spcPts val="0"/>
-              </a:spcBef>
-              <a:spcAft>
-                <a:spcPts val="0"/>
-              </a:spcAft>
-              <a:buNone/>
-            </a:pPr>
-            <a:r>
-              <a:t/>
             </a:r>
             <a:endParaRPr sz="1800">
               <a:solidFill>
@@ -8588,7 +8846,7 @@
       </p:sp>
       <p:pic>
         <p:nvPicPr>
-          <p:cNvPr id="128" name="Google Shape;128;p22"/>
+          <p:cNvPr id="133" name="Google Shape;133;p23"/>
           <p:cNvPicPr preferRelativeResize="0"/>
           <p:nvPr/>
         </p:nvPicPr>
@@ -8602,36 +8860,8 @@
         </p:blipFill>
         <p:spPr>
           <a:xfrm>
-            <a:off x="5132500" y="1694025"/>
-            <a:ext cx="3409950" cy="3352800"/>
-          </a:xfrm>
-          <a:prstGeom prst="rect">
-            <a:avLst/>
-          </a:prstGeom>
-          <a:noFill/>
-          <a:ln>
-            <a:noFill/>
-          </a:ln>
-        </p:spPr>
-      </p:pic>
-      <p:pic>
-        <p:nvPicPr>
-          <p:cNvPr id="129" name="Google Shape;129;p22"/>
-          <p:cNvPicPr preferRelativeResize="0"/>
-          <p:nvPr/>
-        </p:nvPicPr>
-        <p:blipFill>
-          <a:blip r:embed="rId4">
-            <a:alphaModFix/>
-          </a:blip>
-          <a:stretch>
-            <a:fillRect/>
-          </a:stretch>
-        </p:blipFill>
-        <p:spPr>
-          <a:xfrm>
-            <a:off x="218150" y="1810950"/>
-            <a:ext cx="4191000" cy="2933700"/>
+            <a:off x="1811925" y="1697275"/>
+            <a:ext cx="4923175" cy="3446225"/>
           </a:xfrm>
           <a:prstGeom prst="rect">
             <a:avLst/>
@@ -8650,12 +8880,12 @@
 </p:sld>
 </file>
 
-<file path=ppt/slides/slide11.xml><?xml version="1.0" encoding="utf-8"?>
+<file path=ppt/slides/slide12.xml><?xml version="1.0" encoding="utf-8"?>
 <p:sld xmlns:a="http://schemas.openxmlformats.org/drawingml/2006/main" xmlns:r="http://schemas.openxmlformats.org/officeDocument/2006/relationships" xmlns:mc="http://schemas.openxmlformats.org/markup-compatibility/2006" xmlns:mv="urn:schemas-microsoft-com:mac:vml" xmlns:p="http://schemas.openxmlformats.org/presentationml/2006/main" xmlns:c="http://schemas.openxmlformats.org/drawingml/2006/chart" xmlns:dgm="http://schemas.openxmlformats.org/drawingml/2006/diagram" xmlns:o="urn:schemas-microsoft-com:office:office" xmlns:v="urn:schemas-microsoft-com:vml" xmlns:pvml="urn:schemas-microsoft-com:office:powerpoint" xmlns:com="http://schemas.openxmlformats.org/drawingml/2006/compatibility" xmlns:p14="http://schemas.microsoft.com/office/powerpoint/2010/main" xmlns:p15="http://schemas.microsoft.com/office/powerpoint/2012/main">
   <p:cSld>
     <p:spTree>
       <p:nvGrpSpPr>
-        <p:cNvPr id="133" name="Shape 133"/>
+        <p:cNvPr id="137" name="Shape 137"/>
         <p:cNvGrpSpPr/>
         <p:nvPr/>
       </p:nvGrpSpPr>
@@ -8669,7 +8899,7 @@
       </p:grpSpPr>
       <p:sp>
         <p:nvSpPr>
-          <p:cNvPr id="134" name="Google Shape;134;p23"/>
+          <p:cNvPr id="138" name="Google Shape;138;p24"/>
           <p:cNvSpPr txBox="1"/>
           <p:nvPr>
             <p:ph type="title"/>
@@ -8677,8 +8907,8 @@
         </p:nvSpPr>
         <p:spPr>
           <a:xfrm>
-            <a:off x="471900" y="86525"/>
-            <a:ext cx="8222100" cy="670800"/>
+            <a:off x="471900" y="738725"/>
+            <a:ext cx="8222100" cy="767700"/>
           </a:xfrm>
           <a:prstGeom prst="rect">
             <a:avLst/>
@@ -8700,113 +8930,16 @@
               <a:buNone/>
             </a:pPr>
             <a:r>
-              <a:rPr lang="en"/>
-              <a:t>Grocery List Generator</a:t>
+              <a:rPr lang="en" sz="1800"/>
+              <a:t>Sequence Diagram</a:t>
             </a:r>
-            <a:endParaRPr/>
-          </a:p>
-        </p:txBody>
-      </p:sp>
-      <p:sp>
-        <p:nvSpPr>
-          <p:cNvPr id="135" name="Google Shape;135;p23"/>
-          <p:cNvSpPr txBox="1"/>
-          <p:nvPr>
-            <p:ph idx="1" type="body"/>
-          </p:nvPr>
-        </p:nvSpPr>
-        <p:spPr>
-          <a:xfrm>
-            <a:off x="471900" y="1919075"/>
-            <a:ext cx="8222100" cy="2710200"/>
-          </a:xfrm>
-          <a:prstGeom prst="rect">
-            <a:avLst/>
-          </a:prstGeom>
-        </p:spPr>
-        <p:txBody>
-          <a:bodyPr anchorCtr="0" anchor="t" bIns="91425" lIns="91425" spcFirstLastPara="1" rIns="91425" wrap="square" tIns="91425">
-            <a:noAutofit/>
-          </a:bodyPr>
-          <a:lstStyle/>
-          <a:p>
-            <a:pPr indent="0" lvl="0" marL="0" rtl="0" algn="l">
-              <a:spcBef>
-                <a:spcPts val="0"/>
-              </a:spcBef>
-              <a:spcAft>
-                <a:spcPts val="1600"/>
-              </a:spcAft>
-              <a:buNone/>
-            </a:pPr>
-            <a:r>
-              <a:t/>
-            </a:r>
-            <a:endParaRPr/>
-          </a:p>
-        </p:txBody>
-      </p:sp>
-      <p:sp>
-        <p:nvSpPr>
-          <p:cNvPr id="136" name="Google Shape;136;p23"/>
-          <p:cNvSpPr txBox="1"/>
-          <p:nvPr/>
-        </p:nvSpPr>
-        <p:spPr>
-          <a:xfrm>
-            <a:off x="598550" y="865375"/>
-            <a:ext cx="8095500" cy="670800"/>
-          </a:xfrm>
-          <a:prstGeom prst="rect">
-            <a:avLst/>
-          </a:prstGeom>
-          <a:noFill/>
-          <a:ln>
-            <a:noFill/>
-          </a:ln>
-        </p:spPr>
-        <p:txBody>
-          <a:bodyPr anchorCtr="0" anchor="t" bIns="91425" lIns="91425" spcFirstLastPara="1" rIns="91425" wrap="square" tIns="91425">
-            <a:noAutofit/>
-          </a:bodyPr>
-          <a:lstStyle/>
-          <a:p>
-            <a:pPr indent="0" lvl="0" marL="0" rtl="0" algn="l">
-              <a:spcBef>
-                <a:spcPts val="0"/>
-              </a:spcBef>
-              <a:spcAft>
-                <a:spcPts val="0"/>
-              </a:spcAft>
-              <a:buNone/>
-            </a:pPr>
-            <a:r>
-              <a:rPr lang="en" sz="1800">
-                <a:solidFill>
-                  <a:srgbClr val="FFFFFF"/>
-                </a:solidFill>
-                <a:latin typeface="Roboto"/>
-                <a:ea typeface="Roboto"/>
-                <a:cs typeface="Roboto"/>
-                <a:sym typeface="Roboto"/>
-              </a:rPr>
-              <a:t>Mockup                                        Use Case                                       Class Diagram</a:t>
-            </a:r>
-            <a:endParaRPr sz="1800">
-              <a:solidFill>
-                <a:srgbClr val="FFFFFF"/>
-              </a:solidFill>
-              <a:latin typeface="Roboto"/>
-              <a:ea typeface="Roboto"/>
-              <a:cs typeface="Roboto"/>
-              <a:sym typeface="Roboto"/>
-            </a:endParaRPr>
+            <a:endParaRPr sz="1800"/>
           </a:p>
         </p:txBody>
       </p:sp>
       <p:pic>
         <p:nvPicPr>
-          <p:cNvPr id="137" name="Google Shape;137;p23"/>
+          <p:cNvPr id="139" name="Google Shape;139;p24"/>
           <p:cNvPicPr preferRelativeResize="0"/>
           <p:nvPr/>
         </p:nvPicPr>
@@ -8820,64 +8953,8 @@
         </p:blipFill>
         <p:spPr>
           <a:xfrm>
-            <a:off x="2901113" y="1352700"/>
-            <a:ext cx="2826850" cy="3790800"/>
-          </a:xfrm>
-          <a:prstGeom prst="rect">
-            <a:avLst/>
-          </a:prstGeom>
-          <a:noFill/>
-          <a:ln>
-            <a:noFill/>
-          </a:ln>
-        </p:spPr>
-      </p:pic>
-      <p:pic>
-        <p:nvPicPr>
-          <p:cNvPr id="138" name="Google Shape;138;p23"/>
-          <p:cNvPicPr preferRelativeResize="0"/>
-          <p:nvPr/>
-        </p:nvPicPr>
-        <p:blipFill>
-          <a:blip r:embed="rId4">
-            <a:alphaModFix/>
-          </a:blip>
-          <a:stretch>
-            <a:fillRect/>
-          </a:stretch>
-        </p:blipFill>
-        <p:spPr>
-          <a:xfrm>
-            <a:off x="0" y="1352700"/>
-            <a:ext cx="2372525" cy="3790800"/>
-          </a:xfrm>
-          <a:prstGeom prst="rect">
-            <a:avLst/>
-          </a:prstGeom>
-          <a:noFill/>
-          <a:ln>
-            <a:noFill/>
-          </a:ln>
-        </p:spPr>
-      </p:pic>
-      <p:pic>
-        <p:nvPicPr>
-          <p:cNvPr id="139" name="Google Shape;139;p23"/>
-          <p:cNvPicPr preferRelativeResize="0"/>
-          <p:nvPr/>
-        </p:nvPicPr>
-        <p:blipFill>
-          <a:blip r:embed="rId5">
-            <a:alphaModFix/>
-          </a:blip>
-          <a:stretch>
-            <a:fillRect/>
-          </a:stretch>
-        </p:blipFill>
-        <p:spPr>
-          <a:xfrm>
-            <a:off x="6256550" y="1352700"/>
-            <a:ext cx="2887450" cy="2914650"/>
+            <a:off x="1168975" y="1703125"/>
+            <a:ext cx="6723886" cy="3440374"/>
           </a:xfrm>
           <a:prstGeom prst="rect">
             <a:avLst/>
@@ -8896,7 +8973,7 @@
 </p:sld>
 </file>
 
-<file path=ppt/slides/slide12.xml><?xml version="1.0" encoding="utf-8"?>
+<file path=ppt/slides/slide13.xml><?xml version="1.0" encoding="utf-8"?>
 <p:sld xmlns:a="http://schemas.openxmlformats.org/drawingml/2006/main" xmlns:r="http://schemas.openxmlformats.org/officeDocument/2006/relationships" xmlns:mc="http://schemas.openxmlformats.org/markup-compatibility/2006" xmlns:mv="urn:schemas-microsoft-com:mac:vml" xmlns:p="http://schemas.openxmlformats.org/presentationml/2006/main" xmlns:c="http://schemas.openxmlformats.org/drawingml/2006/chart" xmlns:dgm="http://schemas.openxmlformats.org/drawingml/2006/diagram" xmlns:o="urn:schemas-microsoft-com:office:office" xmlns:v="urn:schemas-microsoft-com:vml" xmlns:pvml="urn:schemas-microsoft-com:office:powerpoint" xmlns:com="http://schemas.openxmlformats.org/drawingml/2006/compatibility" xmlns:p14="http://schemas.microsoft.com/office/powerpoint/2010/main" xmlns:p15="http://schemas.microsoft.com/office/powerpoint/2012/main">
   <p:cSld>
     <p:spTree>
@@ -8915,7 +8992,7 @@
       </p:grpSpPr>
       <p:sp>
         <p:nvSpPr>
-          <p:cNvPr id="144" name="Google Shape;144;p24"/>
+          <p:cNvPr id="144" name="Google Shape;144;p25"/>
           <p:cNvSpPr txBox="1"/>
           <p:nvPr>
             <p:ph type="title"/>
@@ -8923,8 +9000,8 @@
         </p:nvSpPr>
         <p:spPr>
           <a:xfrm>
-            <a:off x="471900" y="738725"/>
-            <a:ext cx="8222100" cy="767700"/>
+            <a:off x="471900" y="86525"/>
+            <a:ext cx="8222100" cy="670800"/>
           </a:xfrm>
           <a:prstGeom prst="rect">
             <a:avLst/>
@@ -8947,15 +9024,112 @@
             </a:pPr>
             <a:r>
               <a:rPr lang="en"/>
-              <a:t>Database ER</a:t>
+              <a:t>Grocery List Generator</a:t>
             </a:r>
             <a:endParaRPr/>
           </a:p>
         </p:txBody>
       </p:sp>
+      <p:sp>
+        <p:nvSpPr>
+          <p:cNvPr id="145" name="Google Shape;145;p25"/>
+          <p:cNvSpPr txBox="1"/>
+          <p:nvPr>
+            <p:ph idx="1" type="body"/>
+          </p:nvPr>
+        </p:nvSpPr>
+        <p:spPr>
+          <a:xfrm>
+            <a:off x="471900" y="1919075"/>
+            <a:ext cx="8222100" cy="2710200"/>
+          </a:xfrm>
+          <a:prstGeom prst="rect">
+            <a:avLst/>
+          </a:prstGeom>
+        </p:spPr>
+        <p:txBody>
+          <a:bodyPr anchorCtr="0" anchor="t" bIns="91425" lIns="91425" spcFirstLastPara="1" rIns="91425" wrap="square" tIns="91425">
+            <a:noAutofit/>
+          </a:bodyPr>
+          <a:lstStyle/>
+          <a:p>
+            <a:pPr indent="0" lvl="0" marL="0" rtl="0" algn="l">
+              <a:spcBef>
+                <a:spcPts val="0"/>
+              </a:spcBef>
+              <a:spcAft>
+                <a:spcPts val="1600"/>
+              </a:spcAft>
+              <a:buNone/>
+            </a:pPr>
+            <a:r>
+              <a:t/>
+            </a:r>
+            <a:endParaRPr/>
+          </a:p>
+        </p:txBody>
+      </p:sp>
+      <p:sp>
+        <p:nvSpPr>
+          <p:cNvPr id="146" name="Google Shape;146;p25"/>
+          <p:cNvSpPr txBox="1"/>
+          <p:nvPr/>
+        </p:nvSpPr>
+        <p:spPr>
+          <a:xfrm>
+            <a:off x="598550" y="865375"/>
+            <a:ext cx="8095500" cy="670800"/>
+          </a:xfrm>
+          <a:prstGeom prst="rect">
+            <a:avLst/>
+          </a:prstGeom>
+          <a:noFill/>
+          <a:ln>
+            <a:noFill/>
+          </a:ln>
+        </p:spPr>
+        <p:txBody>
+          <a:bodyPr anchorCtr="0" anchor="t" bIns="91425" lIns="91425" spcFirstLastPara="1" rIns="91425" wrap="square" tIns="91425">
+            <a:noAutofit/>
+          </a:bodyPr>
+          <a:lstStyle/>
+          <a:p>
+            <a:pPr indent="0" lvl="0" marL="0" rtl="0" algn="l">
+              <a:spcBef>
+                <a:spcPts val="0"/>
+              </a:spcBef>
+              <a:spcAft>
+                <a:spcPts val="0"/>
+              </a:spcAft>
+              <a:buNone/>
+            </a:pPr>
+            <a:r>
+              <a:rPr lang="en" sz="1800">
+                <a:solidFill>
+                  <a:srgbClr val="FFFFFF"/>
+                </a:solidFill>
+                <a:latin typeface="Roboto"/>
+                <a:ea typeface="Roboto"/>
+                <a:cs typeface="Roboto"/>
+                <a:sym typeface="Roboto"/>
+              </a:rPr>
+              <a:t>Mockup                                     Flow Diagram                                 Class Diagram</a:t>
+            </a:r>
+            <a:endParaRPr sz="1800">
+              <a:solidFill>
+                <a:srgbClr val="FFFFFF"/>
+              </a:solidFill>
+              <a:latin typeface="Roboto"/>
+              <a:ea typeface="Roboto"/>
+              <a:cs typeface="Roboto"/>
+              <a:sym typeface="Roboto"/>
+            </a:endParaRPr>
+          </a:p>
+        </p:txBody>
+      </p:sp>
       <p:pic>
         <p:nvPicPr>
-          <p:cNvPr id="145" name="Google Shape;145;p24"/>
+          <p:cNvPr id="147" name="Google Shape;147;p25"/>
           <p:cNvPicPr preferRelativeResize="0"/>
           <p:nvPr/>
         </p:nvPicPr>
@@ -8969,8 +9143,8 @@
         </p:blipFill>
         <p:spPr>
           <a:xfrm>
-            <a:off x="138775" y="2057800"/>
-            <a:ext cx="3964336" cy="2261700"/>
+            <a:off x="2901113" y="1352700"/>
+            <a:ext cx="2826850" cy="3790800"/>
           </a:xfrm>
           <a:prstGeom prst="rect">
             <a:avLst/>
@@ -8983,7 +9157,7 @@
       </p:pic>
       <p:pic>
         <p:nvPicPr>
-          <p:cNvPr id="146" name="Google Shape;146;p24"/>
+          <p:cNvPr id="148" name="Google Shape;148;p25"/>
           <p:cNvPicPr preferRelativeResize="0"/>
           <p:nvPr/>
         </p:nvPicPr>
@@ -8997,8 +9171,36 @@
         </p:blipFill>
         <p:spPr>
           <a:xfrm>
-            <a:off x="4783875" y="2057800"/>
-            <a:ext cx="4187825" cy="2261700"/>
+            <a:off x="0" y="1352700"/>
+            <a:ext cx="2372525" cy="3790800"/>
+          </a:xfrm>
+          <a:prstGeom prst="rect">
+            <a:avLst/>
+          </a:prstGeom>
+          <a:noFill/>
+          <a:ln>
+            <a:noFill/>
+          </a:ln>
+        </p:spPr>
+      </p:pic>
+      <p:pic>
+        <p:nvPicPr>
+          <p:cNvPr id="149" name="Google Shape;149;p25"/>
+          <p:cNvPicPr preferRelativeResize="0"/>
+          <p:nvPr/>
+        </p:nvPicPr>
+        <p:blipFill>
+          <a:blip r:embed="rId5">
+            <a:alphaModFix/>
+          </a:blip>
+          <a:stretch>
+            <a:fillRect/>
+          </a:stretch>
+        </p:blipFill>
+        <p:spPr>
+          <a:xfrm>
+            <a:off x="6256550" y="1352700"/>
+            <a:ext cx="2887450" cy="2914650"/>
           </a:xfrm>
           <a:prstGeom prst="rect">
             <a:avLst/>
@@ -9017,12 +9219,12 @@
 </p:sld>
 </file>
 
-<file path=ppt/slides/slide13.xml><?xml version="1.0" encoding="utf-8"?>
+<file path=ppt/slides/slide14.xml><?xml version="1.0" encoding="utf-8"?>
 <p:sld xmlns:a="http://schemas.openxmlformats.org/drawingml/2006/main" xmlns:r="http://schemas.openxmlformats.org/officeDocument/2006/relationships" xmlns:mc="http://schemas.openxmlformats.org/markup-compatibility/2006" xmlns:mv="urn:schemas-microsoft-com:mac:vml" xmlns:p="http://schemas.openxmlformats.org/presentationml/2006/main" xmlns:c="http://schemas.openxmlformats.org/drawingml/2006/chart" xmlns:dgm="http://schemas.openxmlformats.org/drawingml/2006/diagram" xmlns:o="urn:schemas-microsoft-com:office:office" xmlns:v="urn:schemas-microsoft-com:vml" xmlns:pvml="urn:schemas-microsoft-com:office:powerpoint" xmlns:com="http://schemas.openxmlformats.org/drawingml/2006/compatibility" xmlns:p14="http://schemas.microsoft.com/office/powerpoint/2010/main" xmlns:p15="http://schemas.microsoft.com/office/powerpoint/2012/main">
   <p:cSld>
     <p:spTree>
       <p:nvGrpSpPr>
-        <p:cNvPr id="150" name="Shape 150"/>
+        <p:cNvPr id="153" name="Shape 153"/>
         <p:cNvGrpSpPr/>
         <p:nvPr/>
       </p:nvGrpSpPr>
@@ -9036,7 +9238,128 @@
       </p:grpSpPr>
       <p:sp>
         <p:nvSpPr>
-          <p:cNvPr id="151" name="Google Shape;151;p25"/>
+          <p:cNvPr id="154" name="Google Shape;154;p26"/>
+          <p:cNvSpPr txBox="1"/>
+          <p:nvPr>
+            <p:ph type="title"/>
+          </p:nvPr>
+        </p:nvSpPr>
+        <p:spPr>
+          <a:xfrm>
+            <a:off x="471900" y="738725"/>
+            <a:ext cx="8222100" cy="767700"/>
+          </a:xfrm>
+          <a:prstGeom prst="rect">
+            <a:avLst/>
+          </a:prstGeom>
+        </p:spPr>
+        <p:txBody>
+          <a:bodyPr anchorCtr="0" anchor="b" bIns="91425" lIns="91425" spcFirstLastPara="1" rIns="91425" wrap="square" tIns="91425">
+            <a:noAutofit/>
+          </a:bodyPr>
+          <a:lstStyle/>
+          <a:p>
+            <a:pPr indent="0" lvl="0" marL="0" rtl="0" algn="l">
+              <a:spcBef>
+                <a:spcPts val="0"/>
+              </a:spcBef>
+              <a:spcAft>
+                <a:spcPts val="0"/>
+              </a:spcAft>
+              <a:buNone/>
+            </a:pPr>
+            <a:r>
+              <a:rPr lang="en"/>
+              <a:t>Database ER</a:t>
+            </a:r>
+            <a:endParaRPr/>
+          </a:p>
+        </p:txBody>
+      </p:sp>
+      <p:pic>
+        <p:nvPicPr>
+          <p:cNvPr id="155" name="Google Shape;155;p26"/>
+          <p:cNvPicPr preferRelativeResize="0"/>
+          <p:nvPr/>
+        </p:nvPicPr>
+        <p:blipFill>
+          <a:blip r:embed="rId3">
+            <a:alphaModFix/>
+          </a:blip>
+          <a:stretch>
+            <a:fillRect/>
+          </a:stretch>
+        </p:blipFill>
+        <p:spPr>
+          <a:xfrm>
+            <a:off x="138775" y="2057800"/>
+            <a:ext cx="3964336" cy="2261700"/>
+          </a:xfrm>
+          <a:prstGeom prst="rect">
+            <a:avLst/>
+          </a:prstGeom>
+          <a:noFill/>
+          <a:ln>
+            <a:noFill/>
+          </a:ln>
+        </p:spPr>
+      </p:pic>
+      <p:pic>
+        <p:nvPicPr>
+          <p:cNvPr id="156" name="Google Shape;156;p26"/>
+          <p:cNvPicPr preferRelativeResize="0"/>
+          <p:nvPr/>
+        </p:nvPicPr>
+        <p:blipFill>
+          <a:blip r:embed="rId4">
+            <a:alphaModFix/>
+          </a:blip>
+          <a:stretch>
+            <a:fillRect/>
+          </a:stretch>
+        </p:blipFill>
+        <p:spPr>
+          <a:xfrm>
+            <a:off x="4783875" y="2057800"/>
+            <a:ext cx="4187825" cy="2261700"/>
+          </a:xfrm>
+          <a:prstGeom prst="rect">
+            <a:avLst/>
+          </a:prstGeom>
+          <a:noFill/>
+          <a:ln>
+            <a:noFill/>
+          </a:ln>
+        </p:spPr>
+      </p:pic>
+    </p:spTree>
+  </p:cSld>
+  <p:clrMapOvr>
+    <a:masterClrMapping/>
+  </p:clrMapOvr>
+</p:sld>
+</file>
+
+<file path=ppt/slides/slide15.xml><?xml version="1.0" encoding="utf-8"?>
+<p:sld xmlns:a="http://schemas.openxmlformats.org/drawingml/2006/main" xmlns:r="http://schemas.openxmlformats.org/officeDocument/2006/relationships" xmlns:mc="http://schemas.openxmlformats.org/markup-compatibility/2006" xmlns:mv="urn:schemas-microsoft-com:mac:vml" xmlns:p="http://schemas.openxmlformats.org/presentationml/2006/main" xmlns:c="http://schemas.openxmlformats.org/drawingml/2006/chart" xmlns:dgm="http://schemas.openxmlformats.org/drawingml/2006/diagram" xmlns:o="urn:schemas-microsoft-com:office:office" xmlns:v="urn:schemas-microsoft-com:vml" xmlns:pvml="urn:schemas-microsoft-com:office:powerpoint" xmlns:com="http://schemas.openxmlformats.org/drawingml/2006/compatibility" xmlns:p14="http://schemas.microsoft.com/office/powerpoint/2010/main" xmlns:p15="http://schemas.microsoft.com/office/powerpoint/2012/main">
+  <p:cSld>
+    <p:spTree>
+      <p:nvGrpSpPr>
+        <p:cNvPr id="160" name="Shape 160"/>
+        <p:cNvGrpSpPr/>
+        <p:nvPr/>
+      </p:nvGrpSpPr>
+      <p:grpSpPr>
+        <a:xfrm>
+          <a:off x="0" y="0"/>
+          <a:ext cx="0" cy="0"/>
+          <a:chOff x="0" y="0"/>
+          <a:chExt cx="0" cy="0"/>
+        </a:xfrm>
+      </p:grpSpPr>
+      <p:sp>
+        <p:nvSpPr>
+          <p:cNvPr id="161" name="Google Shape;161;p27"/>
           <p:cNvSpPr txBox="1"/>
           <p:nvPr>
             <p:ph type="title"/>
@@ -9076,7 +9399,7 @@
       </p:sp>
       <p:sp>
         <p:nvSpPr>
-          <p:cNvPr id="152" name="Google Shape;152;p25"/>
+          <p:cNvPr id="162" name="Google Shape;162;p27"/>
           <p:cNvSpPr txBox="1"/>
           <p:nvPr>
             <p:ph idx="4294967295" type="body"/>
@@ -9121,12 +9444,12 @@
 </p:sld>
 </file>
 
-<file path=ppt/slides/slide14.xml><?xml version="1.0" encoding="utf-8"?>
+<file path=ppt/slides/slide16.xml><?xml version="1.0" encoding="utf-8"?>
 <p:sld xmlns:a="http://schemas.openxmlformats.org/drawingml/2006/main" xmlns:r="http://schemas.openxmlformats.org/officeDocument/2006/relationships" xmlns:mc="http://schemas.openxmlformats.org/markup-compatibility/2006" xmlns:mv="urn:schemas-microsoft-com:mac:vml" xmlns:p="http://schemas.openxmlformats.org/presentationml/2006/main" xmlns:c="http://schemas.openxmlformats.org/drawingml/2006/chart" xmlns:dgm="http://schemas.openxmlformats.org/drawingml/2006/diagram" xmlns:o="urn:schemas-microsoft-com:office:office" xmlns:v="urn:schemas-microsoft-com:vml" xmlns:pvml="urn:schemas-microsoft-com:office:powerpoint" xmlns:com="http://schemas.openxmlformats.org/drawingml/2006/compatibility" xmlns:p14="http://schemas.microsoft.com/office/powerpoint/2010/main" xmlns:p15="http://schemas.microsoft.com/office/powerpoint/2012/main">
   <p:cSld>
     <p:spTree>
       <p:nvGrpSpPr>
-        <p:cNvPr id="156" name="Shape 156"/>
+        <p:cNvPr id="166" name="Shape 166"/>
         <p:cNvGrpSpPr/>
         <p:nvPr/>
       </p:nvGrpSpPr>
@@ -9140,7 +9463,7 @@
       </p:grpSpPr>
       <p:sp>
         <p:nvSpPr>
-          <p:cNvPr id="157" name="Google Shape;157;p26"/>
+          <p:cNvPr id="167" name="Google Shape;167;p28"/>
           <p:cNvSpPr txBox="1"/>
           <p:nvPr>
             <p:ph type="title"/>
@@ -9184,7 +9507,7 @@
       </p:sp>
       <p:sp>
         <p:nvSpPr>
-          <p:cNvPr id="158" name="Google Shape;158;p26"/>
+          <p:cNvPr id="168" name="Google Shape;168;p28"/>
           <p:cNvSpPr txBox="1"/>
           <p:nvPr>
             <p:ph idx="1" type="body"/>
@@ -9296,12 +9619,12 @@
 </p:sld>
 </file>
 
-<file path=ppt/slides/slide15.xml><?xml version="1.0" encoding="utf-8"?>
+<file path=ppt/slides/slide17.xml><?xml version="1.0" encoding="utf-8"?>
 <p:sld xmlns:a="http://schemas.openxmlformats.org/drawingml/2006/main" xmlns:r="http://schemas.openxmlformats.org/officeDocument/2006/relationships" xmlns:mc="http://schemas.openxmlformats.org/markup-compatibility/2006" xmlns:mv="urn:schemas-microsoft-com:mac:vml" xmlns:p="http://schemas.openxmlformats.org/presentationml/2006/main" xmlns:c="http://schemas.openxmlformats.org/drawingml/2006/chart" xmlns:dgm="http://schemas.openxmlformats.org/drawingml/2006/diagram" xmlns:o="urn:schemas-microsoft-com:office:office" xmlns:v="urn:schemas-microsoft-com:vml" xmlns:pvml="urn:schemas-microsoft-com:office:powerpoint" xmlns:com="http://schemas.openxmlformats.org/drawingml/2006/compatibility" xmlns:p14="http://schemas.microsoft.com/office/powerpoint/2010/main" xmlns:p15="http://schemas.microsoft.com/office/powerpoint/2012/main">
   <p:cSld>
     <p:spTree>
       <p:nvGrpSpPr>
-        <p:cNvPr id="162" name="Shape 162"/>
+        <p:cNvPr id="172" name="Shape 172"/>
         <p:cNvGrpSpPr/>
         <p:nvPr/>
       </p:nvGrpSpPr>
@@ -9315,7 +9638,7 @@
       </p:grpSpPr>
       <p:sp>
         <p:nvSpPr>
-          <p:cNvPr id="163" name="Google Shape;163;p27"/>
+          <p:cNvPr id="173" name="Google Shape;173;p29"/>
           <p:cNvSpPr txBox="1"/>
           <p:nvPr>
             <p:ph type="title"/>
@@ -9361,12 +9684,12 @@
 </p:sld>
 </file>
 
-<file path=ppt/slides/slide16.xml><?xml version="1.0" encoding="utf-8"?>
+<file path=ppt/slides/slide18.xml><?xml version="1.0" encoding="utf-8"?>
 <p:sld xmlns:a="http://schemas.openxmlformats.org/drawingml/2006/main" xmlns:r="http://schemas.openxmlformats.org/officeDocument/2006/relationships" xmlns:mc="http://schemas.openxmlformats.org/markup-compatibility/2006" xmlns:mv="urn:schemas-microsoft-com:mac:vml" xmlns:p="http://schemas.openxmlformats.org/presentationml/2006/main" xmlns:c="http://schemas.openxmlformats.org/drawingml/2006/chart" xmlns:dgm="http://schemas.openxmlformats.org/drawingml/2006/diagram" xmlns:o="urn:schemas-microsoft-com:office:office" xmlns:v="urn:schemas-microsoft-com:vml" xmlns:pvml="urn:schemas-microsoft-com:office:powerpoint" xmlns:com="http://schemas.openxmlformats.org/drawingml/2006/compatibility" xmlns:p14="http://schemas.microsoft.com/office/powerpoint/2010/main" xmlns:p15="http://schemas.microsoft.com/office/powerpoint/2012/main">
   <p:cSld>
     <p:spTree>
       <p:nvGrpSpPr>
-        <p:cNvPr id="167" name="Shape 167"/>
+        <p:cNvPr id="177" name="Shape 177"/>
         <p:cNvGrpSpPr/>
         <p:nvPr/>
       </p:nvGrpSpPr>
@@ -9380,7 +9703,7 @@
       </p:grpSpPr>
       <p:sp>
         <p:nvSpPr>
-          <p:cNvPr id="168" name="Google Shape;168;p28"/>
+          <p:cNvPr id="178" name="Google Shape;178;p30"/>
           <p:cNvSpPr txBox="1"/>
           <p:nvPr>
             <p:ph type="title"/>
@@ -9420,7 +9743,7 @@
       </p:sp>
       <p:pic>
         <p:nvPicPr>
-          <p:cNvPr id="169" name="Google Shape;169;p28"/>
+          <p:cNvPr id="179" name="Google Shape;179;p30"/>
           <p:cNvPicPr preferRelativeResize="0"/>
           <p:nvPr/>
         </p:nvPicPr>
@@ -9608,8 +9931,8 @@
         </p:blipFill>
         <p:spPr>
           <a:xfrm>
-            <a:off x="3654053" y="152400"/>
-            <a:ext cx="5021244" cy="4838698"/>
+            <a:off x="3560525" y="0"/>
+            <a:ext cx="5337548" cy="5143498"/>
           </a:xfrm>
           <a:prstGeom prst="rect">
             <a:avLst/>
@@ -10124,8 +10447,8 @@
         </p:blipFill>
         <p:spPr>
           <a:xfrm>
-            <a:off x="959975" y="1944000"/>
-            <a:ext cx="1750925" cy="2868900"/>
+            <a:off x="5047951" y="1391850"/>
+            <a:ext cx="2732500" cy="3674500"/>
           </a:xfrm>
           <a:prstGeom prst="rect">
             <a:avLst/>
@@ -10136,37 +10459,9 @@
           </a:ln>
         </p:spPr>
       </p:pic>
-      <p:pic>
-        <p:nvPicPr>
-          <p:cNvPr id="106" name="Google Shape;106;p19"/>
-          <p:cNvPicPr preferRelativeResize="0"/>
-          <p:nvPr/>
-        </p:nvPicPr>
-        <p:blipFill>
-          <a:blip r:embed="rId4">
-            <a:alphaModFix/>
-          </a:blip>
-          <a:stretch>
-            <a:fillRect/>
-          </a:stretch>
-        </p:blipFill>
-        <p:spPr>
-          <a:xfrm>
-            <a:off x="5270075" y="1690550"/>
-            <a:ext cx="2510367" cy="3375800"/>
-          </a:xfrm>
-          <a:prstGeom prst="rect">
-            <a:avLst/>
-          </a:prstGeom>
-          <a:noFill/>
-          <a:ln>
-            <a:noFill/>
-          </a:ln>
-        </p:spPr>
-      </p:pic>
       <p:sp>
         <p:nvSpPr>
-          <p:cNvPr id="107" name="Google Shape;107;p19"/>
+          <p:cNvPr id="106" name="Google Shape;106;p19"/>
           <p:cNvSpPr txBox="1"/>
           <p:nvPr/>
         </p:nvSpPr>
@@ -10222,6 +10517,34 @@
           </a:p>
         </p:txBody>
       </p:sp>
+      <p:pic>
+        <p:nvPicPr>
+          <p:cNvPr id="107" name="Google Shape;107;p19"/>
+          <p:cNvPicPr preferRelativeResize="0"/>
+          <p:nvPr/>
+        </p:nvPicPr>
+        <p:blipFill>
+          <a:blip r:embed="rId4">
+            <a:alphaModFix/>
+          </a:blip>
+          <a:stretch>
+            <a:fillRect/>
+          </a:stretch>
+        </p:blipFill>
+        <p:spPr>
+          <a:xfrm>
+            <a:off x="921535" y="1506425"/>
+            <a:ext cx="1810139" cy="3674500"/>
+          </a:xfrm>
+          <a:prstGeom prst="rect">
+            <a:avLst/>
+          </a:prstGeom>
+          <a:noFill/>
+          <a:ln>
+            <a:noFill/>
+          </a:ln>
+        </p:spPr>
+      </p:pic>
     </p:spTree>
   </p:cSld>
   <p:clrMapOvr>
@@ -10312,7 +10635,7 @@
           </a:bodyPr>
           <a:lstStyle/>
           <a:p>
-            <a:pPr indent="0" lvl="0" marL="0" rtl="0" algn="l">
+            <a:pPr indent="457200" lvl="0" marL="2286000" rtl="0" algn="l">
               <a:spcBef>
                 <a:spcPts val="0"/>
               </a:spcBef>
@@ -10331,7 +10654,7 @@
                 <a:cs typeface="Roboto"/>
                 <a:sym typeface="Roboto"/>
               </a:rPr>
-              <a:t>Class Diagram								Sequence Diagram</a:t>
+              <a:t>Class Diagram								</a:t>
             </a:r>
             <a:endParaRPr sz="1800">
               <a:solidFill>
@@ -10384,35 +10707,7 @@
         </p:blipFill>
         <p:spPr>
           <a:xfrm>
-            <a:off x="4972975" y="1759800"/>
-            <a:ext cx="3790950" cy="3133725"/>
-          </a:xfrm>
-          <a:prstGeom prst="rect">
-            <a:avLst/>
-          </a:prstGeom>
-          <a:noFill/>
-          <a:ln>
-            <a:noFill/>
-          </a:ln>
-        </p:spPr>
-      </p:pic>
-      <p:pic>
-        <p:nvPicPr>
-          <p:cNvPr id="115" name="Google Shape;115;p20"/>
-          <p:cNvPicPr preferRelativeResize="0"/>
-          <p:nvPr/>
-        </p:nvPicPr>
-        <p:blipFill>
-          <a:blip r:embed="rId4">
-            <a:alphaModFix/>
-          </a:blip>
-          <a:stretch>
-            <a:fillRect/>
-          </a:stretch>
-        </p:blipFill>
-        <p:spPr>
-          <a:xfrm>
-            <a:off x="232750" y="1750275"/>
+            <a:off x="2324625" y="1848950"/>
             <a:ext cx="4191000" cy="3152775"/>
           </a:xfrm>
           <a:prstGeom prst="rect">
@@ -10437,7 +10732,7 @@
   <p:cSld>
     <p:spTree>
       <p:nvGrpSpPr>
-        <p:cNvPr id="119" name="Shape 119"/>
+        <p:cNvPr id="118" name="Shape 118"/>
         <p:cNvGrpSpPr/>
         <p:nvPr/>
       </p:nvGrpSpPr>
@@ -10451,7 +10746,7 @@
       </p:grpSpPr>
       <p:sp>
         <p:nvSpPr>
-          <p:cNvPr id="120" name="Google Shape;120;p21"/>
+          <p:cNvPr id="119" name="Google Shape;119;p21"/>
           <p:cNvSpPr txBox="1"/>
           <p:nvPr>
             <p:ph type="title"/>
@@ -10482,28 +10777,16 @@
               <a:buNone/>
             </a:pPr>
             <a:r>
-              <a:rPr lang="en"/>
-              <a:t>Recipe Based on </a:t>
+              <a:rPr lang="en" sz="1800"/>
+              <a:t>Sequence Diagram</a:t>
             </a:r>
-            <a:r>
-              <a:rPr lang="en"/>
-              <a:t>Ingredients</a:t>
-            </a:r>
-            <a:r>
-              <a:rPr lang="en"/>
-              <a:t> </a:t>
-            </a:r>
-            <a:r>
-              <a:rPr lang="en"/>
-              <a:t>available</a:t>
-            </a:r>
-            <a:endParaRPr/>
+            <a:endParaRPr sz="1800"/>
           </a:p>
         </p:txBody>
       </p:sp>
       <p:pic>
         <p:nvPicPr>
-          <p:cNvPr id="121" name="Google Shape;121;p21"/>
+          <p:cNvPr id="120" name="Google Shape;120;p21"/>
           <p:cNvPicPr preferRelativeResize="0"/>
           <p:nvPr/>
         </p:nvPicPr>
@@ -10517,8 +10800,8 @@
         </p:blipFill>
         <p:spPr>
           <a:xfrm>
-            <a:off x="1611150" y="2184850"/>
-            <a:ext cx="5943600" cy="2505075"/>
+            <a:off x="1292338" y="1673575"/>
+            <a:ext cx="6581225" cy="3469925"/>
           </a:xfrm>
           <a:prstGeom prst="rect">
             <a:avLst/>
@@ -10538,6 +10821,285 @@
 </file>
 
 <file path=ppt/theme/theme1.xml><?xml version="1.0" encoding="utf-8"?>
+<a:theme xmlns:a="http://schemas.openxmlformats.org/drawingml/2006/main" xmlns:r="http://schemas.openxmlformats.org/officeDocument/2006/relationships" name="Material">
+  <a:themeElements>
+    <a:clrScheme name="Material">
+      <a:dk1>
+        <a:srgbClr val="4285F4"/>
+      </a:dk1>
+      <a:lt1>
+        <a:srgbClr val="FFFFFF"/>
+      </a:lt1>
+      <a:dk2>
+        <a:srgbClr val="424242"/>
+      </a:dk2>
+      <a:lt2>
+        <a:srgbClr val="737373"/>
+      </a:lt2>
+      <a:accent1>
+        <a:srgbClr val="0277BD"/>
+      </a:accent1>
+      <a:accent2>
+        <a:srgbClr val="0F9D58"/>
+      </a:accent2>
+      <a:accent3>
+        <a:srgbClr val="DB4437"/>
+      </a:accent3>
+      <a:accent4>
+        <a:srgbClr val="FAFAFA"/>
+      </a:accent4>
+      <a:accent5>
+        <a:srgbClr val="4FC3F7"/>
+      </a:accent5>
+      <a:accent6>
+        <a:srgbClr val="F4B400"/>
+      </a:accent6>
+      <a:hlink>
+        <a:srgbClr val="4FC3F7"/>
+      </a:hlink>
+      <a:folHlink>
+        <a:srgbClr val="4FC3F7"/>
+      </a:folHlink>
+    </a:clrScheme>
+    <a:fontScheme name="Office">
+      <a:majorFont>
+        <a:latin typeface="Arial"/>
+        <a:ea typeface=""/>
+        <a:cs typeface=""/>
+        <a:font script="Jpan" typeface="ＭＳ Ｐゴシック"/>
+        <a:font script="Hang" typeface="맑은 고딕"/>
+        <a:font script="Hans" typeface="宋体"/>
+        <a:font script="Hant" typeface="新細明體"/>
+        <a:font script="Arab" typeface="Times New Roman"/>
+        <a:font script="Hebr" typeface="Times New Roman"/>
+        <a:font script="Thai" typeface="Angsana New"/>
+        <a:font script="Ethi" typeface="Nyala"/>
+        <a:font script="Beng" typeface="Vrinda"/>
+        <a:font script="Gujr" typeface="Shruti"/>
+        <a:font script="Khmr" typeface="MoolBoran"/>
+        <a:font script="Knda" typeface="Tunga"/>
+        <a:font script="Guru" typeface="Raavi"/>
+        <a:font script="Cans" typeface="Euphemia"/>
+        <a:font script="Cher" typeface="Plantagenet Cherokee"/>
+        <a:font script="Yiii" typeface="Microsoft Yi Baiti"/>
+        <a:font script="Tibt" typeface="Microsoft Himalaya"/>
+        <a:font script="Thaa" typeface="MV Boli"/>
+        <a:font script="Deva" typeface="Mangal"/>
+        <a:font script="Telu" typeface="Gautami"/>
+        <a:font script="Taml" typeface="Latha"/>
+        <a:font script="Syrc" typeface="Estrangelo Edessa"/>
+        <a:font script="Orya" typeface="Kalinga"/>
+        <a:font script="Mlym" typeface="Kartika"/>
+        <a:font script="Laoo" typeface="DokChampa"/>
+        <a:font script="Sinh" typeface="Iskoola Pota"/>
+        <a:font script="Mong" typeface="Mongolian Baiti"/>
+        <a:font script="Viet" typeface="Times New Roman"/>
+        <a:font script="Uigh" typeface="Microsoft Uighur"/>
+        <a:font script="Geor" typeface="Sylfaen"/>
+      </a:majorFont>
+      <a:minorFont>
+        <a:latin typeface="Arial"/>
+        <a:ea typeface=""/>
+        <a:cs typeface=""/>
+        <a:font script="Jpan" typeface="ＭＳ Ｐゴシック"/>
+        <a:font script="Hang" typeface="맑은 고딕"/>
+        <a:font script="Hans" typeface="宋体"/>
+        <a:font script="Hant" typeface="新細明體"/>
+        <a:font script="Arab" typeface="Arial"/>
+        <a:font script="Hebr" typeface="Arial"/>
+        <a:font script="Thai" typeface="Cordia New"/>
+        <a:font script="Ethi" typeface="Nyala"/>
+        <a:font script="Beng" typeface="Vrinda"/>
+        <a:font script="Gujr" typeface="Shruti"/>
+        <a:font script="Khmr" typeface="DaunPenh"/>
+        <a:font script="Knda" typeface="Tunga"/>
+        <a:font script="Guru" typeface="Raavi"/>
+        <a:font script="Cans" typeface="Euphemia"/>
+        <a:font script="Cher" typeface="Plantagenet Cherokee"/>
+        <a:font script="Yiii" typeface="Microsoft Yi Baiti"/>
+        <a:font script="Tibt" typeface="Microsoft Himalaya"/>
+        <a:font script="Thaa" typeface="MV Boli"/>
+        <a:font script="Deva" typeface="Mangal"/>
+        <a:font script="Telu" typeface="Gautami"/>
+        <a:font script="Taml" typeface="Latha"/>
+        <a:font script="Syrc" typeface="Estrangelo Edessa"/>
+        <a:font script="Orya" typeface="Kalinga"/>
+        <a:font script="Mlym" typeface="Kartika"/>
+        <a:font script="Laoo" typeface="DokChampa"/>
+        <a:font script="Sinh" typeface="Iskoola Pota"/>
+        <a:font script="Mong" typeface="Mongolian Baiti"/>
+        <a:font script="Viet" typeface="Arial"/>
+        <a:font script="Uigh" typeface="Microsoft Uighur"/>
+        <a:font script="Geor" typeface="Sylfaen"/>
+      </a:minorFont>
+    </a:fontScheme>
+    <a:fmtScheme name="Office">
+      <a:fillStyleLst>
+        <a:solidFill>
+          <a:schemeClr val="phClr"/>
+        </a:solidFill>
+        <a:gradFill rotWithShape="1">
+          <a:gsLst>
+            <a:gs pos="0">
+              <a:schemeClr val="phClr">
+                <a:tint val="50000"/>
+                <a:satMod val="300000"/>
+              </a:schemeClr>
+            </a:gs>
+            <a:gs pos="35000">
+              <a:schemeClr val="phClr">
+                <a:tint val="37000"/>
+                <a:satMod val="300000"/>
+              </a:schemeClr>
+            </a:gs>
+            <a:gs pos="100000">
+              <a:schemeClr val="phClr">
+                <a:tint val="15000"/>
+                <a:satMod val="350000"/>
+              </a:schemeClr>
+            </a:gs>
+          </a:gsLst>
+          <a:lin ang="16200000" scaled="1"/>
+        </a:gradFill>
+        <a:gradFill rotWithShape="1">
+          <a:gsLst>
+            <a:gs pos="0">
+              <a:schemeClr val="phClr">
+                <a:tint val="100000"/>
+                <a:shade val="100000"/>
+                <a:satMod val="130000"/>
+              </a:schemeClr>
+            </a:gs>
+            <a:gs pos="100000">
+              <a:schemeClr val="phClr">
+                <a:tint val="50000"/>
+                <a:shade val="100000"/>
+                <a:satMod val="350000"/>
+              </a:schemeClr>
+            </a:gs>
+          </a:gsLst>
+          <a:lin ang="16200000" scaled="0"/>
+        </a:gradFill>
+      </a:fillStyleLst>
+      <a:lnStyleLst>
+        <a:ln w="9525" cap="flat" cmpd="sng" algn="ctr">
+          <a:solidFill>
+            <a:schemeClr val="phClr">
+              <a:shade val="95000"/>
+              <a:satMod val="105000"/>
+            </a:schemeClr>
+          </a:solidFill>
+          <a:prstDash val="solid"/>
+        </a:ln>
+        <a:ln w="25400" cap="flat" cmpd="sng" algn="ctr">
+          <a:solidFill>
+            <a:schemeClr val="phClr"/>
+          </a:solidFill>
+          <a:prstDash val="solid"/>
+        </a:ln>
+        <a:ln w="38100" cap="flat" cmpd="sng" algn="ctr">
+          <a:solidFill>
+            <a:schemeClr val="phClr"/>
+          </a:solidFill>
+          <a:prstDash val="solid"/>
+        </a:ln>
+      </a:lnStyleLst>
+      <a:effectStyleLst>
+        <a:effectStyle>
+          <a:effectLst>
+            <a:outerShdw blurRad="40000" dist="20000" dir="5400000" rotWithShape="0">
+              <a:srgbClr val="000000">
+                <a:alpha val="38000"/>
+              </a:srgbClr>
+            </a:outerShdw>
+          </a:effectLst>
+        </a:effectStyle>
+        <a:effectStyle>
+          <a:effectLst>
+            <a:outerShdw blurRad="40000" dist="23000" dir="5400000" rotWithShape="0">
+              <a:srgbClr val="000000">
+                <a:alpha val="35000"/>
+              </a:srgbClr>
+            </a:outerShdw>
+          </a:effectLst>
+        </a:effectStyle>
+        <a:effectStyle>
+          <a:effectLst>
+            <a:outerShdw blurRad="40000" dist="23000" dir="5400000" rotWithShape="0">
+              <a:srgbClr val="000000">
+                <a:alpha val="35000"/>
+              </a:srgbClr>
+            </a:outerShdw>
+          </a:effectLst>
+          <a:scene3d>
+            <a:camera prst="orthographicFront">
+              <a:rot lat="0" lon="0" rev="0"/>
+            </a:camera>
+            <a:lightRig rig="threePt" dir="t">
+              <a:rot lat="0" lon="0" rev="1200000"/>
+            </a:lightRig>
+          </a:scene3d>
+          <a:sp3d>
+            <a:bevelT w="63500" h="25400"/>
+          </a:sp3d>
+        </a:effectStyle>
+      </a:effectStyleLst>
+      <a:bgFillStyleLst>
+        <a:solidFill>
+          <a:schemeClr val="phClr"/>
+        </a:solidFill>
+        <a:gradFill rotWithShape="1">
+          <a:gsLst>
+            <a:gs pos="0">
+              <a:schemeClr val="phClr">
+                <a:tint val="40000"/>
+                <a:satMod val="350000"/>
+              </a:schemeClr>
+            </a:gs>
+            <a:gs pos="40000">
+              <a:schemeClr val="phClr">
+                <a:tint val="45000"/>
+                <a:shade val="99000"/>
+                <a:satMod val="350000"/>
+              </a:schemeClr>
+            </a:gs>
+            <a:gs pos="100000">
+              <a:schemeClr val="phClr">
+                <a:shade val="20000"/>
+                <a:satMod val="255000"/>
+              </a:schemeClr>
+            </a:gs>
+          </a:gsLst>
+          <a:path path="circle">
+            <a:fillToRect l="50000" t="-80000" r="50000" b="180000"/>
+          </a:path>
+        </a:gradFill>
+        <a:gradFill rotWithShape="1">
+          <a:gsLst>
+            <a:gs pos="0">
+              <a:schemeClr val="phClr">
+                <a:tint val="80000"/>
+                <a:satMod val="300000"/>
+              </a:schemeClr>
+            </a:gs>
+            <a:gs pos="100000">
+              <a:schemeClr val="phClr">
+                <a:shade val="30000"/>
+                <a:satMod val="200000"/>
+              </a:schemeClr>
+            </a:gs>
+          </a:gsLst>
+          <a:path path="circle">
+            <a:fillToRect l="50000" t="50000" r="50000" b="50000"/>
+          </a:path>
+        </a:gradFill>
+      </a:bgFillStyleLst>
+    </a:fmtScheme>
+  </a:themeElements>
+</a:theme>
+</file>
+
+<file path=ppt/theme/theme2.xml><?xml version="1.0" encoding="utf-8"?>
 <a:theme xmlns:a="http://schemas.openxmlformats.org/drawingml/2006/main" xmlns:r="http://schemas.openxmlformats.org/officeDocument/2006/relationships">
   <a:themeElements>
     <a:clrScheme name="Default">
@@ -10814,283 +11376,4 @@
     </a:fmtScheme>
   </a:themeElements>
 </a:theme>
-</file>
-
-<file path=ppt/theme/theme2.xml><?xml version="1.0" encoding="utf-8"?>
-<a:theme xmlns:a="http://schemas.openxmlformats.org/drawingml/2006/main" xmlns:r="http://schemas.openxmlformats.org/officeDocument/2006/relationships" name="Material">
-  <a:themeElements>
-    <a:clrScheme name="Material">
-      <a:dk1>
-        <a:srgbClr val="4285F4"/>
-      </a:dk1>
-      <a:lt1>
-        <a:srgbClr val="FFFFFF"/>
-      </a:lt1>
-      <a:dk2>
-        <a:srgbClr val="424242"/>
-      </a:dk2>
-      <a:lt2>
-        <a:srgbClr val="737373"/>
-      </a:lt2>
-      <a:accent1>
-        <a:srgbClr val="0277BD"/>
-      </a:accent1>
-      <a:accent2>
-        <a:srgbClr val="0F9D58"/>
-      </a:accent2>
-      <a:accent3>
-        <a:srgbClr val="DB4437"/>
-      </a:accent3>
-      <a:accent4>
-        <a:srgbClr val="FAFAFA"/>
-      </a:accent4>
-      <a:accent5>
-        <a:srgbClr val="4FC3F7"/>
-      </a:accent5>
-      <a:accent6>
-        <a:srgbClr val="F4B400"/>
-      </a:accent6>
-      <a:hlink>
-        <a:srgbClr val="4FC3F7"/>
-      </a:hlink>
-      <a:folHlink>
-        <a:srgbClr val="4FC3F7"/>
-      </a:folHlink>
-    </a:clrScheme>
-    <a:fontScheme name="Office">
-      <a:majorFont>
-        <a:latin typeface="Arial"/>
-        <a:ea typeface=""/>
-        <a:cs typeface=""/>
-        <a:font script="Jpan" typeface="ＭＳ Ｐゴシック"/>
-        <a:font script="Hang" typeface="맑은 고딕"/>
-        <a:font script="Hans" typeface="宋体"/>
-        <a:font script="Hant" typeface="新細明體"/>
-        <a:font script="Arab" typeface="Times New Roman"/>
-        <a:font script="Hebr" typeface="Times New Roman"/>
-        <a:font script="Thai" typeface="Angsana New"/>
-        <a:font script="Ethi" typeface="Nyala"/>
-        <a:font script="Beng" typeface="Vrinda"/>
-        <a:font script="Gujr" typeface="Shruti"/>
-        <a:font script="Khmr" typeface="MoolBoran"/>
-        <a:font script="Knda" typeface="Tunga"/>
-        <a:font script="Guru" typeface="Raavi"/>
-        <a:font script="Cans" typeface="Euphemia"/>
-        <a:font script="Cher" typeface="Plantagenet Cherokee"/>
-        <a:font script="Yiii" typeface="Microsoft Yi Baiti"/>
-        <a:font script="Tibt" typeface="Microsoft Himalaya"/>
-        <a:font script="Thaa" typeface="MV Boli"/>
-        <a:font script="Deva" typeface="Mangal"/>
-        <a:font script="Telu" typeface="Gautami"/>
-        <a:font script="Taml" typeface="Latha"/>
-        <a:font script="Syrc" typeface="Estrangelo Edessa"/>
-        <a:font script="Orya" typeface="Kalinga"/>
-        <a:font script="Mlym" typeface="Kartika"/>
-        <a:font script="Laoo" typeface="DokChampa"/>
-        <a:font script="Sinh" typeface="Iskoola Pota"/>
-        <a:font script="Mong" typeface="Mongolian Baiti"/>
-        <a:font script="Viet" typeface="Times New Roman"/>
-        <a:font script="Uigh" typeface="Microsoft Uighur"/>
-        <a:font script="Geor" typeface="Sylfaen"/>
-      </a:majorFont>
-      <a:minorFont>
-        <a:latin typeface="Arial"/>
-        <a:ea typeface=""/>
-        <a:cs typeface=""/>
-        <a:font script="Jpan" typeface="ＭＳ Ｐゴシック"/>
-        <a:font script="Hang" typeface="맑은 고딕"/>
-        <a:font script="Hans" typeface="宋体"/>
-        <a:font script="Hant" typeface="新細明體"/>
-        <a:font script="Arab" typeface="Arial"/>
-        <a:font script="Hebr" typeface="Arial"/>
-        <a:font script="Thai" typeface="Cordia New"/>
-        <a:font script="Ethi" typeface="Nyala"/>
-        <a:font script="Beng" typeface="Vrinda"/>
-        <a:font script="Gujr" typeface="Shruti"/>
-        <a:font script="Khmr" typeface="DaunPenh"/>
-        <a:font script="Knda" typeface="Tunga"/>
-        <a:font script="Guru" typeface="Raavi"/>
-        <a:font script="Cans" typeface="Euphemia"/>
-        <a:font script="Cher" typeface="Plantagenet Cherokee"/>
-        <a:font script="Yiii" typeface="Microsoft Yi Baiti"/>
-        <a:font script="Tibt" typeface="Microsoft Himalaya"/>
-        <a:font script="Thaa" typeface="MV Boli"/>
-        <a:font script="Deva" typeface="Mangal"/>
-        <a:font script="Telu" typeface="Gautami"/>
-        <a:font script="Taml" typeface="Latha"/>
-        <a:font script="Syrc" typeface="Estrangelo Edessa"/>
-        <a:font script="Orya" typeface="Kalinga"/>
-        <a:font script="Mlym" typeface="Kartika"/>
-        <a:font script="Laoo" typeface="DokChampa"/>
-        <a:font script="Sinh" typeface="Iskoola Pota"/>
-        <a:font script="Mong" typeface="Mongolian Baiti"/>
-        <a:font script="Viet" typeface="Arial"/>
-        <a:font script="Uigh" typeface="Microsoft Uighur"/>
-        <a:font script="Geor" typeface="Sylfaen"/>
-      </a:minorFont>
-    </a:fontScheme>
-    <a:fmtScheme name="Office">
-      <a:fillStyleLst>
-        <a:solidFill>
-          <a:schemeClr val="phClr"/>
-        </a:solidFill>
-        <a:gradFill rotWithShape="1">
-          <a:gsLst>
-            <a:gs pos="0">
-              <a:schemeClr val="phClr">
-                <a:tint val="50000"/>
-                <a:satMod val="300000"/>
-              </a:schemeClr>
-            </a:gs>
-            <a:gs pos="35000">
-              <a:schemeClr val="phClr">
-                <a:tint val="37000"/>
-                <a:satMod val="300000"/>
-              </a:schemeClr>
-            </a:gs>
-            <a:gs pos="100000">
-              <a:schemeClr val="phClr">
-                <a:tint val="15000"/>
-                <a:satMod val="350000"/>
-              </a:schemeClr>
-            </a:gs>
-          </a:gsLst>
-          <a:lin ang="16200000" scaled="1"/>
-        </a:gradFill>
-        <a:gradFill rotWithShape="1">
-          <a:gsLst>
-            <a:gs pos="0">
-              <a:schemeClr val="phClr">
-                <a:tint val="100000"/>
-                <a:shade val="100000"/>
-                <a:satMod val="130000"/>
-              </a:schemeClr>
-            </a:gs>
-            <a:gs pos="100000">
-              <a:schemeClr val="phClr">
-                <a:tint val="50000"/>
-                <a:shade val="100000"/>
-                <a:satMod val="350000"/>
-              </a:schemeClr>
-            </a:gs>
-          </a:gsLst>
-          <a:lin ang="16200000" scaled="0"/>
-        </a:gradFill>
-      </a:fillStyleLst>
-      <a:lnStyleLst>
-        <a:ln w="9525" cap="flat" cmpd="sng" algn="ctr">
-          <a:solidFill>
-            <a:schemeClr val="phClr">
-              <a:shade val="95000"/>
-              <a:satMod val="105000"/>
-            </a:schemeClr>
-          </a:solidFill>
-          <a:prstDash val="solid"/>
-        </a:ln>
-        <a:ln w="25400" cap="flat" cmpd="sng" algn="ctr">
-          <a:solidFill>
-            <a:schemeClr val="phClr"/>
-          </a:solidFill>
-          <a:prstDash val="solid"/>
-        </a:ln>
-        <a:ln w="38100" cap="flat" cmpd="sng" algn="ctr">
-          <a:solidFill>
-            <a:schemeClr val="phClr"/>
-          </a:solidFill>
-          <a:prstDash val="solid"/>
-        </a:ln>
-      </a:lnStyleLst>
-      <a:effectStyleLst>
-        <a:effectStyle>
-          <a:effectLst>
-            <a:outerShdw blurRad="40000" dist="20000" dir="5400000" rotWithShape="0">
-              <a:srgbClr val="000000">
-                <a:alpha val="38000"/>
-              </a:srgbClr>
-            </a:outerShdw>
-          </a:effectLst>
-        </a:effectStyle>
-        <a:effectStyle>
-          <a:effectLst>
-            <a:outerShdw blurRad="40000" dist="23000" dir="5400000" rotWithShape="0">
-              <a:srgbClr val="000000">
-                <a:alpha val="35000"/>
-              </a:srgbClr>
-            </a:outerShdw>
-          </a:effectLst>
-        </a:effectStyle>
-        <a:effectStyle>
-          <a:effectLst>
-            <a:outerShdw blurRad="40000" dist="23000" dir="5400000" rotWithShape="0">
-              <a:srgbClr val="000000">
-                <a:alpha val="35000"/>
-              </a:srgbClr>
-            </a:outerShdw>
-          </a:effectLst>
-          <a:scene3d>
-            <a:camera prst="orthographicFront">
-              <a:rot lat="0" lon="0" rev="0"/>
-            </a:camera>
-            <a:lightRig rig="threePt" dir="t">
-              <a:rot lat="0" lon="0" rev="1200000"/>
-            </a:lightRig>
-          </a:scene3d>
-          <a:sp3d>
-            <a:bevelT w="63500" h="25400"/>
-          </a:sp3d>
-        </a:effectStyle>
-      </a:effectStyleLst>
-      <a:bgFillStyleLst>
-        <a:solidFill>
-          <a:schemeClr val="phClr"/>
-        </a:solidFill>
-        <a:gradFill rotWithShape="1">
-          <a:gsLst>
-            <a:gs pos="0">
-              <a:schemeClr val="phClr">
-                <a:tint val="40000"/>
-                <a:satMod val="350000"/>
-              </a:schemeClr>
-            </a:gs>
-            <a:gs pos="40000">
-              <a:schemeClr val="phClr">
-                <a:tint val="45000"/>
-                <a:shade val="99000"/>
-                <a:satMod val="350000"/>
-              </a:schemeClr>
-            </a:gs>
-            <a:gs pos="100000">
-              <a:schemeClr val="phClr">
-                <a:shade val="20000"/>
-                <a:satMod val="255000"/>
-              </a:schemeClr>
-            </a:gs>
-          </a:gsLst>
-          <a:path path="circle">
-            <a:fillToRect l="50000" t="-80000" r="50000" b="180000"/>
-          </a:path>
-        </a:gradFill>
-        <a:gradFill rotWithShape="1">
-          <a:gsLst>
-            <a:gs pos="0">
-              <a:schemeClr val="phClr">
-                <a:tint val="80000"/>
-                <a:satMod val="300000"/>
-              </a:schemeClr>
-            </a:gs>
-            <a:gs pos="100000">
-              <a:schemeClr val="phClr">
-                <a:shade val="30000"/>
-                <a:satMod val="200000"/>
-              </a:schemeClr>
-            </a:gs>
-          </a:gsLst>
-          <a:path path="circle">
-            <a:fillToRect l="50000" t="50000" r="50000" b="50000"/>
-          </a:path>
-        </a:gradFill>
-      </a:bgFillStyleLst>
-    </a:fmtScheme>
-  </a:themeElements>
-</a:theme>
 </file>